--- a/Slides/Week_8_Limited_Dependent_Part1.pptx
+++ b/Slides/Week_8_Limited_Dependent_Part1.pptx
@@ -7,6 +7,18 @@
   <p:sldIdLst>
     <p:sldId id="256" r:id="rId2"/>
     <p:sldId id="257" r:id="rId3"/>
+    <p:sldId id="258" r:id="rId4"/>
+    <p:sldId id="264" r:id="rId5"/>
+    <p:sldId id="265" r:id="rId6"/>
+    <p:sldId id="259" r:id="rId7"/>
+    <p:sldId id="260" r:id="rId8"/>
+    <p:sldId id="266" r:id="rId9"/>
+    <p:sldId id="267" r:id="rId10"/>
+    <p:sldId id="268" r:id="rId11"/>
+    <p:sldId id="269" r:id="rId12"/>
+    <p:sldId id="261" r:id="rId13"/>
+    <p:sldId id="262" r:id="rId14"/>
+    <p:sldId id="263" r:id="rId15"/>
   </p:sldIdLst>
   <p:sldSz cx="12192000" cy="6858000"/>
   <p:notesSz cx="6858000" cy="9144000"/>
@@ -3411,6 +3423,993 @@
 </p:sld>
 </file>
 
+<file path=ppt/slides/slide10.xml><?xml version="1.0" encoding="utf-8"?>
+<p:sld xmlns:a="http://schemas.openxmlformats.org/drawingml/2006/main" xmlns:r="http://schemas.openxmlformats.org/officeDocument/2006/relationships" xmlns:p="http://schemas.openxmlformats.org/presentationml/2006/main">
+  <p:cSld>
+    <p:spTree>
+      <p:nvGrpSpPr>
+        <p:cNvPr id="1" name=""/>
+        <p:cNvGrpSpPr/>
+        <p:nvPr/>
+      </p:nvGrpSpPr>
+      <p:grpSpPr>
+        <a:xfrm>
+          <a:off x="0" y="0"/>
+          <a:ext cx="0" cy="0"/>
+          <a:chOff x="0" y="0"/>
+          <a:chExt cx="0" cy="0"/>
+        </a:xfrm>
+      </p:grpSpPr>
+      <p:sp>
+        <p:nvSpPr>
+          <p:cNvPr id="2" name="Title 1">
+            <a:extLst>
+              <a:ext uri="{FF2B5EF4-FFF2-40B4-BE49-F238E27FC236}">
+                <a16:creationId xmlns:a16="http://schemas.microsoft.com/office/drawing/2014/main" id="{A2BD60CC-B4FC-DE7C-6806-E0DC7D72DAE6}"/>
+              </a:ext>
+            </a:extLst>
+          </p:cNvPr>
+          <p:cNvSpPr>
+            <a:spLocks noGrp="1"/>
+          </p:cNvSpPr>
+          <p:nvPr>
+            <p:ph type="title"/>
+          </p:nvPr>
+        </p:nvSpPr>
+        <p:spPr/>
+        <p:txBody>
+          <a:bodyPr/>
+          <a:lstStyle/>
+          <a:p>
+            <a:r>
+              <a:rPr lang="en-US" dirty="0"/>
+              <a:t>Logit Model</a:t>
+            </a:r>
+          </a:p>
+        </p:txBody>
+      </p:sp>
+      <mc:AlternateContent xmlns:mc="http://schemas.openxmlformats.org/markup-compatibility/2006">
+        <mc:Choice xmlns:a14="http://schemas.microsoft.com/office/drawing/2010/main" Requires="a14">
+          <p:sp>
+            <p:nvSpPr>
+              <p:cNvPr id="3" name="Content Placeholder 2">
+                <a:extLst>
+                  <a:ext uri="{FF2B5EF4-FFF2-40B4-BE49-F238E27FC236}">
+                    <a16:creationId xmlns:a16="http://schemas.microsoft.com/office/drawing/2014/main" id="{6F3C61EF-F7EC-C110-9721-4ED6372C4C9F}"/>
+                  </a:ext>
+                </a:extLst>
+              </p:cNvPr>
+              <p:cNvSpPr>
+                <a:spLocks noGrp="1"/>
+              </p:cNvSpPr>
+              <p:nvPr>
+                <p:ph idx="1"/>
+              </p:nvPr>
+            </p:nvSpPr>
+            <p:spPr/>
+            <p:txBody>
+              <a:bodyPr>
+                <a:normAutofit/>
+              </a:bodyPr>
+              <a:lstStyle/>
+              <a:p>
+                <a:r>
+                  <a:rPr lang="en-US" dirty="0"/>
+                  <a:t>The </a:t>
+                </a:r>
+                <a:r>
+                  <a:rPr lang="en-US" dirty="0" err="1"/>
+                  <a:t>Probit</a:t>
+                </a:r>
+                <a:r>
+                  <a:rPr lang="en-US" dirty="0"/>
+                  <a:t> function</a:t>
+                </a:r>
+              </a:p>
+              <a:p>
+                <a:pPr lvl="1"/>
+                <a14:m>
+                  <m:oMath xmlns:m="http://schemas.openxmlformats.org/officeDocument/2006/math">
+                    <m:r>
+                      <a:rPr lang="en-US" b="0" i="1" smtClean="0">
+                        <a:latin typeface="Cambria Math" panose="02040503050406030204" pitchFamily="18" charset="0"/>
+                      </a:rPr>
+                      <m:t>𝐺</m:t>
+                    </m:r>
+                    <m:d>
+                      <m:dPr>
+                        <m:ctrlPr>
+                          <a:rPr lang="en-US" b="0" i="1" smtClean="0">
+                            <a:latin typeface="Cambria Math" panose="02040503050406030204" pitchFamily="18" charset="0"/>
+                          </a:rPr>
+                        </m:ctrlPr>
+                      </m:dPr>
+                      <m:e>
+                        <m:r>
+                          <a:rPr lang="en-US" b="0" i="1" smtClean="0">
+                            <a:latin typeface="Cambria Math" panose="02040503050406030204" pitchFamily="18" charset="0"/>
+                          </a:rPr>
+                          <m:t>𝑧</m:t>
+                        </m:r>
+                      </m:e>
+                    </m:d>
+                    <m:r>
+                      <a:rPr lang="en-US" b="0" i="1" smtClean="0">
+                        <a:latin typeface="Cambria Math" panose="02040503050406030204" pitchFamily="18" charset="0"/>
+                      </a:rPr>
+                      <m:t>=</m:t>
+                    </m:r>
+                    <m:r>
+                      <m:rPr>
+                        <m:sty m:val="p"/>
+                      </m:rPr>
+                      <a:rPr lang="en-US" b="0" i="0" smtClean="0">
+                        <a:latin typeface="Cambria Math" panose="02040503050406030204" pitchFamily="18" charset="0"/>
+                      </a:rPr>
+                      <m:t>Φ</m:t>
+                    </m:r>
+                    <m:d>
+                      <m:dPr>
+                        <m:ctrlPr>
+                          <a:rPr lang="en-US" b="0" i="1" smtClean="0">
+                            <a:latin typeface="Cambria Math" panose="02040503050406030204" pitchFamily="18" charset="0"/>
+                          </a:rPr>
+                        </m:ctrlPr>
+                      </m:dPr>
+                      <m:e>
+                        <m:r>
+                          <a:rPr lang="en-US" b="0" i="1" smtClean="0">
+                            <a:latin typeface="Cambria Math" panose="02040503050406030204" pitchFamily="18" charset="0"/>
+                          </a:rPr>
+                          <m:t>𝑧</m:t>
+                        </m:r>
+                      </m:e>
+                    </m:d>
+                    <m:r>
+                      <a:rPr lang="en-US" b="0" i="1" smtClean="0">
+                        <a:latin typeface="Cambria Math" panose="02040503050406030204" pitchFamily="18" charset="0"/>
+                      </a:rPr>
+                      <m:t>=</m:t>
+                    </m:r>
+                    <m:nary>
+                      <m:naryPr>
+                        <m:ctrlPr>
+                          <a:rPr lang="en-US" b="0" i="1" smtClean="0">
+                            <a:latin typeface="Cambria Math" panose="02040503050406030204" pitchFamily="18" charset="0"/>
+                          </a:rPr>
+                        </m:ctrlPr>
+                      </m:naryPr>
+                      <m:sub>
+                        <m:r>
+                          <m:rPr>
+                            <m:brk m:alnAt="23"/>
+                          </m:rPr>
+                          <a:rPr lang="en-US" b="0" i="1" smtClean="0">
+                            <a:latin typeface="Cambria Math" panose="02040503050406030204" pitchFamily="18" charset="0"/>
+                          </a:rPr>
+                          <m:t>−</m:t>
+                        </m:r>
+                        <m:r>
+                          <a:rPr lang="en-US" b="0" i="1" smtClean="0">
+                            <a:latin typeface="Cambria Math" panose="02040503050406030204" pitchFamily="18" charset="0"/>
+                          </a:rPr>
+                          <m:t>𝑧</m:t>
+                        </m:r>
+                      </m:sub>
+                      <m:sup>
+                        <m:r>
+                          <a:rPr lang="en-US" b="0" i="1" smtClean="0">
+                            <a:latin typeface="Cambria Math" panose="02040503050406030204" pitchFamily="18" charset="0"/>
+                          </a:rPr>
+                          <m:t>𝑧</m:t>
+                        </m:r>
+                      </m:sup>
+                      <m:e>
+                        <m:r>
+                          <a:rPr lang="en-US" b="0" i="1" smtClean="0">
+                            <a:latin typeface="Cambria Math" panose="02040503050406030204" pitchFamily="18" charset="0"/>
+                          </a:rPr>
+                          <m:t>𝜙</m:t>
+                        </m:r>
+                        <m:d>
+                          <m:dPr>
+                            <m:ctrlPr>
+                              <a:rPr lang="en-US" b="0" i="1" smtClean="0">
+                                <a:latin typeface="Cambria Math" panose="02040503050406030204" pitchFamily="18" charset="0"/>
+                              </a:rPr>
+                            </m:ctrlPr>
+                          </m:dPr>
+                          <m:e>
+                            <m:r>
+                              <a:rPr lang="en-US" b="0" i="1" smtClean="0">
+                                <a:latin typeface="Cambria Math" panose="02040503050406030204" pitchFamily="18" charset="0"/>
+                              </a:rPr>
+                              <m:t>𝑣</m:t>
+                            </m:r>
+                          </m:e>
+                        </m:d>
+                        <m:r>
+                          <a:rPr lang="en-US" b="0" i="1" smtClean="0">
+                            <a:latin typeface="Cambria Math" panose="02040503050406030204" pitchFamily="18" charset="0"/>
+                          </a:rPr>
+                          <m:t>𝑑𝑣</m:t>
+                        </m:r>
+                      </m:e>
+                    </m:nary>
+                  </m:oMath>
+                </a14:m>
+                <a:endParaRPr lang="en-US" dirty="0"/>
+              </a:p>
+              <a:p>
+                <a:pPr lvl="1"/>
+                <a:r>
+                  <a:rPr lang="en-US" dirty="0"/>
+                  <a:t>Where </a:t>
+                </a:r>
+                <a14:m>
+                  <m:oMath xmlns:m="http://schemas.openxmlformats.org/officeDocument/2006/math">
+                    <m:r>
+                      <m:rPr>
+                        <m:sty m:val="p"/>
+                      </m:rPr>
+                      <a:rPr lang="en-US" b="0" i="0" smtClean="0">
+                        <a:latin typeface="Cambria Math" panose="02040503050406030204" pitchFamily="18" charset="0"/>
+                      </a:rPr>
+                      <m:t>Φ</m:t>
+                    </m:r>
+                    <m:d>
+                      <m:dPr>
+                        <m:ctrlPr>
+                          <a:rPr lang="en-US" b="0" i="1" smtClean="0">
+                            <a:latin typeface="Cambria Math" panose="02040503050406030204" pitchFamily="18" charset="0"/>
+                          </a:rPr>
+                        </m:ctrlPr>
+                      </m:dPr>
+                      <m:e>
+                        <m:r>
+                          <a:rPr lang="en-US" b="0" i="1" smtClean="0">
+                            <a:latin typeface="Cambria Math" panose="02040503050406030204" pitchFamily="18" charset="0"/>
+                          </a:rPr>
+                          <m:t>𝑧</m:t>
+                        </m:r>
+                      </m:e>
+                    </m:d>
+                  </m:oMath>
+                </a14:m>
+                <a:r>
+                  <a:rPr lang="en-US" dirty="0"/>
+                  <a:t> is the integral of the standard normal density function </a:t>
+                </a:r>
+                <a14:m>
+                  <m:oMath xmlns:m="http://schemas.openxmlformats.org/officeDocument/2006/math">
+                    <m:r>
+                      <a:rPr lang="en-US" b="0" i="1" smtClean="0">
+                        <a:latin typeface="Cambria Math" panose="02040503050406030204" pitchFamily="18" charset="0"/>
+                      </a:rPr>
+                      <m:t>𝜙</m:t>
+                    </m:r>
+                    <m:d>
+                      <m:dPr>
+                        <m:ctrlPr>
+                          <a:rPr lang="en-US" b="0" i="1" smtClean="0">
+                            <a:latin typeface="Cambria Math" panose="02040503050406030204" pitchFamily="18" charset="0"/>
+                          </a:rPr>
+                        </m:ctrlPr>
+                      </m:dPr>
+                      <m:e>
+                        <m:r>
+                          <a:rPr lang="en-US" b="0" i="1" smtClean="0">
+                            <a:latin typeface="Cambria Math" panose="02040503050406030204" pitchFamily="18" charset="0"/>
+                          </a:rPr>
+                          <m:t>𝑣</m:t>
+                        </m:r>
+                      </m:e>
+                    </m:d>
+                  </m:oMath>
+                </a14:m>
+                <a:endParaRPr lang="en-US" dirty="0"/>
+              </a:p>
+              <a:p>
+                <a:pPr lvl="1"/>
+                <a:r>
+                  <a:rPr lang="en-US" dirty="0"/>
+                  <a:t>Where </a:t>
+                </a:r>
+                <a14:m>
+                  <m:oMath xmlns:m="http://schemas.openxmlformats.org/officeDocument/2006/math">
+                    <m:r>
+                      <a:rPr lang="en-US" b="0" i="1" smtClean="0">
+                        <a:latin typeface="Cambria Math" panose="02040503050406030204" pitchFamily="18" charset="0"/>
+                      </a:rPr>
+                      <m:t>𝜙</m:t>
+                    </m:r>
+                    <m:d>
+                      <m:dPr>
+                        <m:ctrlPr>
+                          <a:rPr lang="en-US" b="0" i="1" smtClean="0">
+                            <a:latin typeface="Cambria Math" panose="02040503050406030204" pitchFamily="18" charset="0"/>
+                          </a:rPr>
+                        </m:ctrlPr>
+                      </m:dPr>
+                      <m:e>
+                        <m:r>
+                          <a:rPr lang="en-US" b="0" i="1" smtClean="0">
+                            <a:latin typeface="Cambria Math" panose="02040503050406030204" pitchFamily="18" charset="0"/>
+                          </a:rPr>
+                          <m:t>𝑧</m:t>
+                        </m:r>
+                      </m:e>
+                    </m:d>
+                    <m:r>
+                      <a:rPr lang="en-US" b="0" i="1" smtClean="0">
+                        <a:latin typeface="Cambria Math" panose="02040503050406030204" pitchFamily="18" charset="0"/>
+                      </a:rPr>
+                      <m:t>=</m:t>
+                    </m:r>
+                    <m:sSup>
+                      <m:sSupPr>
+                        <m:ctrlPr>
+                          <a:rPr lang="en-US" b="0" i="1" smtClean="0">
+                            <a:latin typeface="Cambria Math" panose="02040503050406030204" pitchFamily="18" charset="0"/>
+                          </a:rPr>
+                        </m:ctrlPr>
+                      </m:sSupPr>
+                      <m:e>
+                        <m:d>
+                          <m:dPr>
+                            <m:ctrlPr>
+                              <a:rPr lang="en-US" b="0" i="1" smtClean="0">
+                                <a:latin typeface="Cambria Math" panose="02040503050406030204" pitchFamily="18" charset="0"/>
+                              </a:rPr>
+                            </m:ctrlPr>
+                          </m:dPr>
+                          <m:e>
+                            <m:r>
+                              <a:rPr lang="en-US" b="0" i="1" smtClean="0">
+                                <a:latin typeface="Cambria Math" panose="02040503050406030204" pitchFamily="18" charset="0"/>
+                              </a:rPr>
+                              <m:t>2</m:t>
+                            </m:r>
+                            <m:r>
+                              <a:rPr lang="en-US" b="0" i="1" smtClean="0">
+                                <a:latin typeface="Cambria Math" panose="02040503050406030204" pitchFamily="18" charset="0"/>
+                              </a:rPr>
+                              <m:t>𝜋</m:t>
+                            </m:r>
+                          </m:e>
+                        </m:d>
+                      </m:e>
+                      <m:sup>
+                        <m:r>
+                          <a:rPr lang="en-US" b="0" i="1" smtClean="0">
+                            <a:latin typeface="Cambria Math" panose="02040503050406030204" pitchFamily="18" charset="0"/>
+                          </a:rPr>
+                          <m:t>−</m:t>
+                        </m:r>
+                        <m:r>
+                          <a:rPr lang="en-US" b="0" i="1" smtClean="0">
+                            <a:latin typeface="Cambria Math" panose="02040503050406030204" pitchFamily="18" charset="0"/>
+                          </a:rPr>
+                          <m:t>1/2</m:t>
+                        </m:r>
+                      </m:sup>
+                    </m:sSup>
+                    <m:sSup>
+                      <m:sSupPr>
+                        <m:ctrlPr>
+                          <a:rPr lang="en-US" b="0" i="1" smtClean="0">
+                            <a:latin typeface="Cambria Math" panose="02040503050406030204" pitchFamily="18" charset="0"/>
+                          </a:rPr>
+                        </m:ctrlPr>
+                      </m:sSupPr>
+                      <m:e>
+                        <m:r>
+                          <a:rPr lang="en-US" b="0" i="1" smtClean="0">
+                            <a:latin typeface="Cambria Math" panose="02040503050406030204" pitchFamily="18" charset="0"/>
+                          </a:rPr>
+                          <m:t>𝑒</m:t>
+                        </m:r>
+                      </m:e>
+                      <m:sup>
+                        <m:r>
+                          <a:rPr lang="en-US" b="0" i="1" smtClean="0">
+                            <a:latin typeface="Cambria Math" panose="02040503050406030204" pitchFamily="18" charset="0"/>
+                          </a:rPr>
+                          <m:t>−</m:t>
+                        </m:r>
+                        <m:sSup>
+                          <m:sSupPr>
+                            <m:ctrlPr>
+                              <a:rPr lang="en-US" b="0" i="1" smtClean="0">
+                                <a:latin typeface="Cambria Math" panose="02040503050406030204" pitchFamily="18" charset="0"/>
+                              </a:rPr>
+                            </m:ctrlPr>
+                          </m:sSupPr>
+                          <m:e>
+                            <m:r>
+                              <a:rPr lang="en-US" b="0" i="1" smtClean="0">
+                                <a:latin typeface="Cambria Math" panose="02040503050406030204" pitchFamily="18" charset="0"/>
+                              </a:rPr>
+                              <m:t>𝑧</m:t>
+                            </m:r>
+                          </m:e>
+                          <m:sup>
+                            <m:r>
+                              <a:rPr lang="en-US" b="0" i="1" smtClean="0">
+                                <a:latin typeface="Cambria Math" panose="02040503050406030204" pitchFamily="18" charset="0"/>
+                              </a:rPr>
+                              <m:t>2</m:t>
+                            </m:r>
+                          </m:sup>
+                        </m:sSup>
+                        <m:r>
+                          <a:rPr lang="en-US" b="0" i="1" smtClean="0">
+                            <a:latin typeface="Cambria Math" panose="02040503050406030204" pitchFamily="18" charset="0"/>
+                          </a:rPr>
+                          <m:t>/2</m:t>
+                        </m:r>
+                      </m:sup>
+                    </m:sSup>
+                  </m:oMath>
+                </a14:m>
+                <a:r>
+                  <a:rPr lang="en-US" dirty="0"/>
+                  <a:t> </a:t>
+                </a:r>
+              </a:p>
+              <a:p>
+                <a:r>
+                  <a:rPr lang="en-US" dirty="0"/>
+                  <a:t>Note: </a:t>
+                </a:r>
+              </a:p>
+              <a:p>
+                <a:pPr lvl="1"/>
+                <a:r>
+                  <a:rPr lang="en-US" dirty="0"/>
+                  <a:t>Both Logit and </a:t>
+                </a:r>
+                <a:r>
+                  <a:rPr lang="en-US" dirty="0" err="1"/>
+                  <a:t>Probit</a:t>
+                </a:r>
+                <a:r>
+                  <a:rPr lang="en-US" dirty="0"/>
+                  <a:t> utilize a cumulative distribution functions</a:t>
+                </a:r>
+              </a:p>
+              <a:p>
+                <a:pPr lvl="1"/>
+                <a:r>
+                  <a:rPr lang="en-US" dirty="0"/>
+                  <a:t>Both are increasing function</a:t>
+                </a:r>
+              </a:p>
+              <a:p>
+                <a:pPr lvl="1"/>
+                <a14:m>
+                  <m:oMath xmlns:m="http://schemas.openxmlformats.org/officeDocument/2006/math">
+                    <m:r>
+                      <a:rPr lang="en-US" b="0" i="1" smtClean="0">
+                        <a:latin typeface="Cambria Math" panose="02040503050406030204" pitchFamily="18" charset="0"/>
+                      </a:rPr>
+                      <m:t>𝐺</m:t>
+                    </m:r>
+                    <m:d>
+                      <m:dPr>
+                        <m:ctrlPr>
+                          <a:rPr lang="en-US" b="0" i="1" smtClean="0">
+                            <a:latin typeface="Cambria Math" panose="02040503050406030204" pitchFamily="18" charset="0"/>
+                          </a:rPr>
+                        </m:ctrlPr>
+                      </m:dPr>
+                      <m:e>
+                        <m:r>
+                          <a:rPr lang="en-US" b="0" i="1" smtClean="0">
+                            <a:latin typeface="Cambria Math" panose="02040503050406030204" pitchFamily="18" charset="0"/>
+                          </a:rPr>
+                          <m:t>𝑧</m:t>
+                        </m:r>
+                      </m:e>
+                    </m:d>
+                    <m:r>
+                      <a:rPr lang="en-US" b="0" i="1" smtClean="0">
+                        <a:latin typeface="Cambria Math" panose="02040503050406030204" pitchFamily="18" charset="0"/>
+                      </a:rPr>
+                      <m:t>→0</m:t>
+                    </m:r>
+                  </m:oMath>
+                </a14:m>
+                <a:r>
+                  <a:rPr lang="en-US" dirty="0"/>
+                  <a:t> as </a:t>
+                </a:r>
+                <a14:m>
+                  <m:oMath xmlns:m="http://schemas.openxmlformats.org/officeDocument/2006/math">
+                    <m:r>
+                      <a:rPr lang="en-US" b="0" i="1" smtClean="0">
+                        <a:latin typeface="Cambria Math" panose="02040503050406030204" pitchFamily="18" charset="0"/>
+                      </a:rPr>
+                      <m:t>𝑧</m:t>
+                    </m:r>
+                    <m:r>
+                      <a:rPr lang="en-US" b="0" i="1" smtClean="0">
+                        <a:latin typeface="Cambria Math" panose="02040503050406030204" pitchFamily="18" charset="0"/>
+                      </a:rPr>
+                      <m:t>→−∞</m:t>
+                    </m:r>
+                  </m:oMath>
+                </a14:m>
+                <a:endParaRPr lang="en-US" dirty="0"/>
+              </a:p>
+              <a:p>
+                <a:pPr lvl="1"/>
+                <a14:m>
+                  <m:oMath xmlns:m="http://schemas.openxmlformats.org/officeDocument/2006/math">
+                    <m:r>
+                      <a:rPr lang="en-US" b="0" i="1" smtClean="0">
+                        <a:latin typeface="Cambria Math" panose="02040503050406030204" pitchFamily="18" charset="0"/>
+                      </a:rPr>
+                      <m:t>𝐺</m:t>
+                    </m:r>
+                    <m:d>
+                      <m:dPr>
+                        <m:ctrlPr>
+                          <a:rPr lang="en-US" b="0" i="1" smtClean="0">
+                            <a:latin typeface="Cambria Math" panose="02040503050406030204" pitchFamily="18" charset="0"/>
+                          </a:rPr>
+                        </m:ctrlPr>
+                      </m:dPr>
+                      <m:e>
+                        <m:r>
+                          <a:rPr lang="en-US" b="0" i="1" smtClean="0">
+                            <a:latin typeface="Cambria Math" panose="02040503050406030204" pitchFamily="18" charset="0"/>
+                          </a:rPr>
+                          <m:t>𝑧</m:t>
+                        </m:r>
+                      </m:e>
+                    </m:d>
+                    <m:r>
+                      <a:rPr lang="en-US" b="0" i="1" smtClean="0">
+                        <a:latin typeface="Cambria Math" panose="02040503050406030204" pitchFamily="18" charset="0"/>
+                      </a:rPr>
+                      <m:t>→1</m:t>
+                    </m:r>
+                  </m:oMath>
+                </a14:m>
+                <a:r>
+                  <a:rPr lang="en-US" dirty="0"/>
+                  <a:t> as </a:t>
+                </a:r>
+                <a14:m>
+                  <m:oMath xmlns:m="http://schemas.openxmlformats.org/officeDocument/2006/math">
+                    <m:r>
+                      <a:rPr lang="en-US" b="0" i="1" smtClean="0">
+                        <a:latin typeface="Cambria Math" panose="02040503050406030204" pitchFamily="18" charset="0"/>
+                      </a:rPr>
+                      <m:t>𝑧</m:t>
+                    </m:r>
+                    <m:r>
+                      <a:rPr lang="en-US" b="0" i="1" smtClean="0">
+                        <a:latin typeface="Cambria Math" panose="02040503050406030204" pitchFamily="18" charset="0"/>
+                      </a:rPr>
+                      <m:t>→∞</m:t>
+                    </m:r>
+                  </m:oMath>
+                </a14:m>
+                <a:endParaRPr lang="en-US" dirty="0"/>
+              </a:p>
+            </p:txBody>
+          </p:sp>
+        </mc:Choice>
+        <mc:Fallback>
+          <p:sp>
+            <p:nvSpPr>
+              <p:cNvPr id="3" name="Content Placeholder 2">
+                <a:extLst>
+                  <a:ext uri="{FF2B5EF4-FFF2-40B4-BE49-F238E27FC236}">
+                    <a16:creationId xmlns:a16="http://schemas.microsoft.com/office/drawing/2014/main" id="{6F3C61EF-F7EC-C110-9721-4ED6372C4C9F}"/>
+                  </a:ext>
+                </a:extLst>
+              </p:cNvPr>
+              <p:cNvSpPr>
+                <a:spLocks noGrp="1" noRot="1" noChangeAspect="1" noMove="1" noResize="1" noEditPoints="1" noAdjustHandles="1" noChangeArrowheads="1" noChangeShapeType="1" noTextEdit="1"/>
+              </p:cNvSpPr>
+              <p:nvPr>
+                <p:ph idx="1"/>
+              </p:nvPr>
+            </p:nvSpPr>
+            <p:spPr>
+              <a:blipFill>
+                <a:blip r:embed="rId2"/>
+                <a:stretch>
+                  <a:fillRect l="-1086" t="-6395"/>
+                </a:stretch>
+              </a:blipFill>
+            </p:spPr>
+            <p:txBody>
+              <a:bodyPr/>
+              <a:lstStyle/>
+              <a:p>
+                <a:r>
+                  <a:rPr lang="en-US">
+                    <a:noFill/>
+                  </a:rPr>
+                  <a:t> </a:t>
+                </a:r>
+              </a:p>
+            </p:txBody>
+          </p:sp>
+        </mc:Fallback>
+      </mc:AlternateContent>
+    </p:spTree>
+    <p:extLst>
+      <p:ext uri="{BB962C8B-B14F-4D97-AF65-F5344CB8AC3E}">
+        <p14:creationId xmlns:p14="http://schemas.microsoft.com/office/powerpoint/2010/main" val="89352631"/>
+      </p:ext>
+    </p:extLst>
+  </p:cSld>
+  <p:clrMapOvr>
+    <a:masterClrMapping/>
+  </p:clrMapOvr>
+</p:sld>
+</file>
+
+<file path=ppt/slides/slide11.xml><?xml version="1.0" encoding="utf-8"?>
+<p:sld xmlns:a="http://schemas.openxmlformats.org/drawingml/2006/main" xmlns:r="http://schemas.openxmlformats.org/officeDocument/2006/relationships" xmlns:p="http://schemas.openxmlformats.org/presentationml/2006/main">
+  <p:cSld>
+    <p:spTree>
+      <p:nvGrpSpPr>
+        <p:cNvPr id="1" name=""/>
+        <p:cNvGrpSpPr/>
+        <p:nvPr/>
+      </p:nvGrpSpPr>
+      <p:grpSpPr>
+        <a:xfrm>
+          <a:off x="0" y="0"/>
+          <a:ext cx="0" cy="0"/>
+          <a:chOff x="0" y="0"/>
+          <a:chExt cx="0" cy="0"/>
+        </a:xfrm>
+      </p:grpSpPr>
+      <p:sp>
+        <p:nvSpPr>
+          <p:cNvPr id="2" name="Title 1">
+            <a:extLst>
+              <a:ext uri="{FF2B5EF4-FFF2-40B4-BE49-F238E27FC236}">
+                <a16:creationId xmlns:a16="http://schemas.microsoft.com/office/drawing/2014/main" id="{1259ED11-E713-BBFD-FF61-38C216B03564}"/>
+              </a:ext>
+            </a:extLst>
+          </p:cNvPr>
+          <p:cNvSpPr>
+            <a:spLocks noGrp="1"/>
+          </p:cNvSpPr>
+          <p:nvPr>
+            <p:ph type="title"/>
+          </p:nvPr>
+        </p:nvSpPr>
+        <p:spPr/>
+        <p:txBody>
+          <a:bodyPr/>
+          <a:lstStyle/>
+          <a:p>
+            <a:r>
+              <a:rPr lang="en-US" dirty="0"/>
+              <a:t>Logit vs </a:t>
+            </a:r>
+            <a:r>
+              <a:rPr lang="en-US" dirty="0" err="1"/>
+              <a:t>Probit</a:t>
+            </a:r>
+            <a:endParaRPr lang="en-US" dirty="0"/>
+          </a:p>
+        </p:txBody>
+      </p:sp>
+      <p:sp>
+        <p:nvSpPr>
+          <p:cNvPr id="3" name="Content Placeholder 2">
+            <a:extLst>
+              <a:ext uri="{FF2B5EF4-FFF2-40B4-BE49-F238E27FC236}">
+                <a16:creationId xmlns:a16="http://schemas.microsoft.com/office/drawing/2014/main" id="{EED1FE4E-B598-D0A1-8743-5EFFE44E6F5B}"/>
+              </a:ext>
+            </a:extLst>
+          </p:cNvPr>
+          <p:cNvSpPr>
+            <a:spLocks noGrp="1"/>
+          </p:cNvSpPr>
+          <p:nvPr>
+            <p:ph idx="1"/>
+          </p:nvPr>
+        </p:nvSpPr>
+        <p:spPr/>
+        <p:txBody>
+          <a:bodyPr/>
+          <a:lstStyle/>
+          <a:p>
+            <a:r>
+              <a:rPr lang="en-US" dirty="0" err="1"/>
+              <a:t>Probit</a:t>
+            </a:r>
+            <a:endParaRPr lang="en-US" dirty="0"/>
+          </a:p>
+          <a:p>
+            <a:pPr lvl="1"/>
+            <a:r>
+              <a:rPr lang="en-US" dirty="0"/>
+              <a:t>The errors are distributed normally</a:t>
+            </a:r>
+          </a:p>
+          <a:p>
+            <a:r>
+              <a:rPr lang="en-US" dirty="0"/>
+              <a:t>Logit</a:t>
+            </a:r>
+          </a:p>
+          <a:p>
+            <a:pPr lvl="1"/>
+            <a:endParaRPr lang="en-US" dirty="0"/>
+          </a:p>
+        </p:txBody>
+      </p:sp>
+    </p:spTree>
+    <p:extLst>
+      <p:ext uri="{BB962C8B-B14F-4D97-AF65-F5344CB8AC3E}">
+        <p14:creationId xmlns:p14="http://schemas.microsoft.com/office/powerpoint/2010/main" val="213435841"/>
+      </p:ext>
+    </p:extLst>
+  </p:cSld>
+  <p:clrMapOvr>
+    <a:masterClrMapping/>
+  </p:clrMapOvr>
+</p:sld>
+</file>
+
+<file path=ppt/slides/slide12.xml><?xml version="1.0" encoding="utf-8"?>
+<p:sld xmlns:a="http://schemas.openxmlformats.org/drawingml/2006/main" xmlns:r="http://schemas.openxmlformats.org/officeDocument/2006/relationships" xmlns:p="http://schemas.openxmlformats.org/presentationml/2006/main">
+  <p:cSld>
+    <p:spTree>
+      <p:nvGrpSpPr>
+        <p:cNvPr id="1" name=""/>
+        <p:cNvGrpSpPr/>
+        <p:nvPr/>
+      </p:nvGrpSpPr>
+      <p:grpSpPr>
+        <a:xfrm>
+          <a:off x="0" y="0"/>
+          <a:ext cx="0" cy="0"/>
+          <a:chOff x="0" y="0"/>
+          <a:chExt cx="0" cy="0"/>
+        </a:xfrm>
+      </p:grpSpPr>
+      <p:sp>
+        <p:nvSpPr>
+          <p:cNvPr id="2" name="Title 1">
+            <a:extLst>
+              <a:ext uri="{FF2B5EF4-FFF2-40B4-BE49-F238E27FC236}">
+                <a16:creationId xmlns:a16="http://schemas.microsoft.com/office/drawing/2014/main" id="{DEF85D83-E9DC-7B26-3D0B-A98E23DB78EF}"/>
+              </a:ext>
+            </a:extLst>
+          </p:cNvPr>
+          <p:cNvSpPr>
+            <a:spLocks noGrp="1"/>
+          </p:cNvSpPr>
+          <p:nvPr>
+            <p:ph type="title"/>
+          </p:nvPr>
+        </p:nvSpPr>
+        <p:spPr/>
+        <p:txBody>
+          <a:bodyPr/>
+          <a:lstStyle/>
+          <a:p>
+            <a:r>
+              <a:rPr lang="en-US" dirty="0"/>
+              <a:t>Nonnegative Dependent Variables</a:t>
+            </a:r>
+          </a:p>
+        </p:txBody>
+      </p:sp>
+      <p:sp>
+        <p:nvSpPr>
+          <p:cNvPr id="3" name="Text Placeholder 2">
+            <a:extLst>
+              <a:ext uri="{FF2B5EF4-FFF2-40B4-BE49-F238E27FC236}">
+                <a16:creationId xmlns:a16="http://schemas.microsoft.com/office/drawing/2014/main" id="{01B63662-732C-18FF-D7CC-1FE66EC0DB00}"/>
+              </a:ext>
+            </a:extLst>
+          </p:cNvPr>
+          <p:cNvSpPr>
+            <a:spLocks noGrp="1"/>
+          </p:cNvSpPr>
+          <p:nvPr>
+            <p:ph type="body" idx="1"/>
+          </p:nvPr>
+        </p:nvSpPr>
+        <p:spPr/>
+        <p:txBody>
+          <a:bodyPr/>
+          <a:lstStyle/>
+          <a:p>
+            <a:endParaRPr lang="en-US"/>
+          </a:p>
+        </p:txBody>
+      </p:sp>
+    </p:spTree>
+    <p:extLst>
+      <p:ext uri="{BB962C8B-B14F-4D97-AF65-F5344CB8AC3E}">
+        <p14:creationId xmlns:p14="http://schemas.microsoft.com/office/powerpoint/2010/main" val="893146242"/>
+      </p:ext>
+    </p:extLst>
+  </p:cSld>
+  <p:clrMapOvr>
+    <a:masterClrMapping/>
+  </p:clrMapOvr>
+</p:sld>
+</file>
+
+<file path=ppt/slides/slide13.xml><?xml version="1.0" encoding="utf-8"?>
+<p:sld xmlns:a="http://schemas.openxmlformats.org/drawingml/2006/main" xmlns:r="http://schemas.openxmlformats.org/officeDocument/2006/relationships" xmlns:p="http://schemas.openxmlformats.org/presentationml/2006/main">
+  <p:cSld>
+    <p:spTree>
+      <p:nvGrpSpPr>
+        <p:cNvPr id="1" name=""/>
+        <p:cNvGrpSpPr/>
+        <p:nvPr/>
+      </p:nvGrpSpPr>
+      <p:grpSpPr>
+        <a:xfrm>
+          <a:off x="0" y="0"/>
+          <a:ext cx="0" cy="0"/>
+          <a:chOff x="0" y="0"/>
+          <a:chExt cx="0" cy="0"/>
+        </a:xfrm>
+      </p:grpSpPr>
+      <p:sp>
+        <p:nvSpPr>
+          <p:cNvPr id="2" name="Title 1">
+            <a:extLst>
+              <a:ext uri="{FF2B5EF4-FFF2-40B4-BE49-F238E27FC236}">
+                <a16:creationId xmlns:a16="http://schemas.microsoft.com/office/drawing/2014/main" id="{41877AD7-2C47-53EF-5485-6192D7AFF4AA}"/>
+              </a:ext>
+            </a:extLst>
+          </p:cNvPr>
+          <p:cNvSpPr>
+            <a:spLocks noGrp="1"/>
+          </p:cNvSpPr>
+          <p:nvPr>
+            <p:ph type="title"/>
+          </p:nvPr>
+        </p:nvSpPr>
+        <p:spPr/>
+        <p:txBody>
+          <a:bodyPr/>
+          <a:lstStyle/>
+          <a:p>
+            <a:endParaRPr lang="en-US"/>
+          </a:p>
+        </p:txBody>
+      </p:sp>
+      <p:sp>
+        <p:nvSpPr>
+          <p:cNvPr id="3" name="Content Placeholder 2">
+            <a:extLst>
+              <a:ext uri="{FF2B5EF4-FFF2-40B4-BE49-F238E27FC236}">
+                <a16:creationId xmlns:a16="http://schemas.microsoft.com/office/drawing/2014/main" id="{C0C02BD9-7852-14FB-D41B-4FA576A08491}"/>
+              </a:ext>
+            </a:extLst>
+          </p:cNvPr>
+          <p:cNvSpPr>
+            <a:spLocks noGrp="1"/>
+          </p:cNvSpPr>
+          <p:nvPr>
+            <p:ph idx="1"/>
+          </p:nvPr>
+        </p:nvSpPr>
+        <p:spPr/>
+        <p:txBody>
+          <a:bodyPr/>
+          <a:lstStyle/>
+          <a:p>
+            <a:endParaRPr lang="en-US"/>
+          </a:p>
+        </p:txBody>
+      </p:sp>
+    </p:spTree>
+    <p:extLst>
+      <p:ext uri="{BB962C8B-B14F-4D97-AF65-F5344CB8AC3E}">
+        <p14:creationId xmlns:p14="http://schemas.microsoft.com/office/powerpoint/2010/main" val="2351874916"/>
+      </p:ext>
+    </p:extLst>
+  </p:cSld>
+  <p:clrMapOvr>
+    <a:masterClrMapping/>
+  </p:clrMapOvr>
+</p:sld>
+</file>
+
+<file path=ppt/slides/slide14.xml><?xml version="1.0" encoding="utf-8"?>
+<p:sld xmlns:a="http://schemas.openxmlformats.org/drawingml/2006/main" xmlns:r="http://schemas.openxmlformats.org/officeDocument/2006/relationships" xmlns:p="http://schemas.openxmlformats.org/presentationml/2006/main">
+  <p:cSld>
+    <p:spTree>
+      <p:nvGrpSpPr>
+        <p:cNvPr id="1" name=""/>
+        <p:cNvGrpSpPr/>
+        <p:nvPr/>
+      </p:nvGrpSpPr>
+      <p:grpSpPr>
+        <a:xfrm>
+          <a:off x="0" y="0"/>
+          <a:ext cx="0" cy="0"/>
+          <a:chOff x="0" y="0"/>
+          <a:chExt cx="0" cy="0"/>
+        </a:xfrm>
+      </p:grpSpPr>
+      <p:sp>
+        <p:nvSpPr>
+          <p:cNvPr id="2" name="Title 1">
+            <a:extLst>
+              <a:ext uri="{FF2B5EF4-FFF2-40B4-BE49-F238E27FC236}">
+                <a16:creationId xmlns:a16="http://schemas.microsoft.com/office/drawing/2014/main" id="{6E0AAB59-8912-5005-71DB-626B0A1232D7}"/>
+              </a:ext>
+            </a:extLst>
+          </p:cNvPr>
+          <p:cNvSpPr>
+            <a:spLocks noGrp="1"/>
+          </p:cNvSpPr>
+          <p:nvPr>
+            <p:ph type="title"/>
+          </p:nvPr>
+        </p:nvSpPr>
+        <p:spPr/>
+        <p:txBody>
+          <a:bodyPr/>
+          <a:lstStyle/>
+          <a:p>
+            <a:r>
+              <a:rPr lang="en-US" dirty="0"/>
+              <a:t>Stata </a:t>
+            </a:r>
+          </a:p>
+        </p:txBody>
+      </p:sp>
+      <p:sp>
+        <p:nvSpPr>
+          <p:cNvPr id="3" name="Text Placeholder 2">
+            <a:extLst>
+              <a:ext uri="{FF2B5EF4-FFF2-40B4-BE49-F238E27FC236}">
+                <a16:creationId xmlns:a16="http://schemas.microsoft.com/office/drawing/2014/main" id="{426A3278-790D-2DE3-8BE8-B153B5D2BCCF}"/>
+              </a:ext>
+            </a:extLst>
+          </p:cNvPr>
+          <p:cNvSpPr>
+            <a:spLocks noGrp="1"/>
+          </p:cNvSpPr>
+          <p:nvPr>
+            <p:ph type="body" idx="1"/>
+          </p:nvPr>
+        </p:nvSpPr>
+        <p:spPr/>
+        <p:txBody>
+          <a:bodyPr/>
+          <a:lstStyle/>
+          <a:p>
+            <a:endParaRPr lang="en-US"/>
+          </a:p>
+        </p:txBody>
+      </p:sp>
+    </p:spTree>
+    <p:extLst>
+      <p:ext uri="{BB962C8B-B14F-4D97-AF65-F5344CB8AC3E}">
+        <p14:creationId xmlns:p14="http://schemas.microsoft.com/office/powerpoint/2010/main" val="3858262524"/>
+      </p:ext>
+    </p:extLst>
+  </p:cSld>
+  <p:clrMapOvr>
+    <a:masterClrMapping/>
+  </p:clrMapOvr>
+</p:sld>
+</file>
+
 <file path=ppt/slides/slide2.xml><?xml version="1.0" encoding="utf-8"?>
 <p:sld xmlns:a="http://schemas.openxmlformats.org/drawingml/2006/main" xmlns:r="http://schemas.openxmlformats.org/officeDocument/2006/relationships" xmlns:p="http://schemas.openxmlformats.org/presentationml/2006/main">
   <p:cSld>
@@ -3479,10 +4478,24 @@
           <a:p>
             <a:r>
               <a:rPr lang="en-US" dirty="0"/>
-              <a:t>Logit</a:t>
-            </a:r>
-          </a:p>
-          <a:p>
+              <a:t>Limited Dependent Variables</a:t>
+            </a:r>
+          </a:p>
+          <a:p>
+            <a:r>
+              <a:rPr lang="en-US" dirty="0"/>
+              <a:t>Binary Dependent Variables</a:t>
+            </a:r>
+          </a:p>
+          <a:p>
+            <a:pPr lvl="1"/>
+            <a:r>
+              <a:rPr lang="en-US" dirty="0"/>
+              <a:t>Logit </a:t>
+            </a:r>
+          </a:p>
+          <a:p>
+            <a:pPr lvl="1"/>
             <a:r>
               <a:rPr lang="en-US" dirty="0" err="1"/>
               <a:t>Probit</a:t>
@@ -3492,18 +4505,26 @@
           <a:p>
             <a:r>
               <a:rPr lang="en-US" dirty="0"/>
-              <a:t>Tobit</a:t>
-            </a:r>
-          </a:p>
-          <a:p>
+              <a:t>Nonnegative Dependent Variables</a:t>
+            </a:r>
+          </a:p>
+          <a:p>
+            <a:pPr lvl="1"/>
             <a:r>
               <a:rPr lang="en-US" dirty="0"/>
-              <a:t>Poisson</a:t>
-            </a:r>
-          </a:p>
-          <a:p>
-            <a:r>
-              <a:rPr lang="en-US"/>
+              <a:t>Tobit – Corner Solution Response</a:t>
+            </a:r>
+          </a:p>
+          <a:p>
+            <a:pPr lvl="1"/>
+            <a:r>
+              <a:rPr lang="en-US" dirty="0"/>
+              <a:t>Poisson – Count Model</a:t>
+            </a:r>
+          </a:p>
+          <a:p>
+            <a:r>
+              <a:rPr lang="en-US" dirty="0"/>
               <a:t>Stata</a:t>
             </a:r>
           </a:p>
@@ -3513,6 +4534,2115 @@
     <p:extLst>
       <p:ext uri="{BB962C8B-B14F-4D97-AF65-F5344CB8AC3E}">
         <p14:creationId xmlns:p14="http://schemas.microsoft.com/office/powerpoint/2010/main" val="1632106220"/>
+      </p:ext>
+    </p:extLst>
+  </p:cSld>
+  <p:clrMapOvr>
+    <a:masterClrMapping/>
+  </p:clrMapOvr>
+</p:sld>
+</file>
+
+<file path=ppt/slides/slide3.xml><?xml version="1.0" encoding="utf-8"?>
+<p:sld xmlns:a="http://schemas.openxmlformats.org/drawingml/2006/main" xmlns:r="http://schemas.openxmlformats.org/officeDocument/2006/relationships" xmlns:p="http://schemas.openxmlformats.org/presentationml/2006/main">
+  <p:cSld>
+    <p:spTree>
+      <p:nvGrpSpPr>
+        <p:cNvPr id="1" name=""/>
+        <p:cNvGrpSpPr/>
+        <p:nvPr/>
+      </p:nvGrpSpPr>
+      <p:grpSpPr>
+        <a:xfrm>
+          <a:off x="0" y="0"/>
+          <a:ext cx="0" cy="0"/>
+          <a:chOff x="0" y="0"/>
+          <a:chExt cx="0" cy="0"/>
+        </a:xfrm>
+      </p:grpSpPr>
+      <p:sp>
+        <p:nvSpPr>
+          <p:cNvPr id="2" name="Title 1">
+            <a:extLst>
+              <a:ext uri="{FF2B5EF4-FFF2-40B4-BE49-F238E27FC236}">
+                <a16:creationId xmlns:a16="http://schemas.microsoft.com/office/drawing/2014/main" id="{231CDDF9-33CD-F75F-5E1E-50C62FBEF7CE}"/>
+              </a:ext>
+            </a:extLst>
+          </p:cNvPr>
+          <p:cNvSpPr>
+            <a:spLocks noGrp="1"/>
+          </p:cNvSpPr>
+          <p:nvPr>
+            <p:ph type="title"/>
+          </p:nvPr>
+        </p:nvSpPr>
+        <p:spPr/>
+        <p:txBody>
+          <a:bodyPr/>
+          <a:lstStyle/>
+          <a:p>
+            <a:r>
+              <a:rPr lang="en-US" dirty="0"/>
+              <a:t>Limited Dependent Variables</a:t>
+            </a:r>
+          </a:p>
+        </p:txBody>
+      </p:sp>
+      <mc:AlternateContent xmlns:mc="http://schemas.openxmlformats.org/markup-compatibility/2006">
+        <mc:Choice xmlns:a14="http://schemas.microsoft.com/office/drawing/2010/main" Requires="a14">
+          <p:sp>
+            <p:nvSpPr>
+              <p:cNvPr id="3" name="Content Placeholder 2">
+                <a:extLst>
+                  <a:ext uri="{FF2B5EF4-FFF2-40B4-BE49-F238E27FC236}">
+                    <a16:creationId xmlns:a16="http://schemas.microsoft.com/office/drawing/2014/main" id="{74A1FBD3-8578-3BCA-4D63-F3A85BA99EE7}"/>
+                  </a:ext>
+                </a:extLst>
+              </p:cNvPr>
+              <p:cNvSpPr>
+                <a:spLocks noGrp="1"/>
+              </p:cNvSpPr>
+              <p:nvPr>
+                <p:ph idx="1"/>
+              </p:nvPr>
+            </p:nvSpPr>
+            <p:spPr/>
+            <p:txBody>
+              <a:bodyPr>
+                <a:normAutofit/>
+              </a:bodyPr>
+              <a:lstStyle/>
+              <a:p>
+                <a:r>
+                  <a:rPr lang="en-US" dirty="0"/>
+                  <a:t>We have covered continuous variables so far</a:t>
+                </a:r>
+              </a:p>
+              <a:p>
+                <a:pPr lvl="1"/>
+                <a:r>
+                  <a:rPr lang="en-US" dirty="0"/>
+                  <a:t>We may have log-transformed our dependent variable, but they still have been continuous</a:t>
+                </a:r>
+              </a:p>
+              <a:p>
+                <a:r>
+                  <a:rPr lang="en-US" dirty="0"/>
+                  <a:t>We will cover limited dependent variables</a:t>
+                </a:r>
+              </a:p>
+              <a:p>
+                <a:pPr lvl="1"/>
+                <a:r>
+                  <a:rPr lang="en-US" dirty="0"/>
+                  <a:t>Limited dependent variables are dependent variables whose range of values is substantially restricted</a:t>
+                </a:r>
+              </a:p>
+              <a:p>
+                <a:pPr lvl="1"/>
+                <a:r>
+                  <a:rPr lang="en-US" dirty="0"/>
+                  <a:t>E.g.: </a:t>
+                </a:r>
+                <a14:m>
+                  <m:oMath xmlns:m="http://schemas.openxmlformats.org/officeDocument/2006/math">
+                    <m:d>
+                      <m:dPr>
+                        <m:begChr m:val="["/>
+                        <m:endChr m:val="]"/>
+                        <m:ctrlPr>
+                          <a:rPr lang="en-US" b="0" i="1" smtClean="0">
+                            <a:latin typeface="Cambria Math" panose="02040503050406030204" pitchFamily="18" charset="0"/>
+                          </a:rPr>
+                        </m:ctrlPr>
+                      </m:dPr>
+                      <m:e>
+                        <m:r>
+                          <a:rPr lang="en-US" b="0" i="1" smtClean="0">
+                            <a:latin typeface="Cambria Math" panose="02040503050406030204" pitchFamily="18" charset="0"/>
+                          </a:rPr>
+                          <m:t>0,1</m:t>
+                        </m:r>
+                      </m:e>
+                    </m:d>
+                    <m:r>
+                      <a:rPr lang="en-US" b="0" i="1" smtClean="0">
+                        <a:latin typeface="Cambria Math" panose="02040503050406030204" pitchFamily="18" charset="0"/>
+                      </a:rPr>
+                      <m:t>, </m:t>
+                    </m:r>
+                    <m:d>
+                      <m:dPr>
+                        <m:begChr m:val="["/>
+                        <m:ctrlPr>
+                          <a:rPr lang="en-US" b="0" i="1" smtClean="0">
+                            <a:latin typeface="Cambria Math" panose="02040503050406030204" pitchFamily="18" charset="0"/>
+                          </a:rPr>
+                        </m:ctrlPr>
+                      </m:dPr>
+                      <m:e>
+                        <m:r>
+                          <a:rPr lang="en-US" b="0" i="1" smtClean="0">
+                            <a:latin typeface="Cambria Math" panose="02040503050406030204" pitchFamily="18" charset="0"/>
+                          </a:rPr>
+                          <m:t>0,</m:t>
+                        </m:r>
+                        <m:r>
+                          <a:rPr lang="en-US" b="0" i="1" smtClean="0">
+                            <a:latin typeface="Cambria Math" panose="02040503050406030204" pitchFamily="18" charset="0"/>
+                            <a:ea typeface="Cambria Math" panose="02040503050406030204" pitchFamily="18" charset="0"/>
+                          </a:rPr>
+                          <m:t>∞</m:t>
+                        </m:r>
+                      </m:e>
+                    </m:d>
+                    <m:r>
+                      <a:rPr lang="en-US" b="0" i="1" smtClean="0">
+                        <a:latin typeface="Cambria Math" panose="02040503050406030204" pitchFamily="18" charset="0"/>
+                        <a:ea typeface="Cambria Math" panose="02040503050406030204" pitchFamily="18" charset="0"/>
+                      </a:rPr>
+                      <m:t>, [0, 1, 2, 3, 4, 5]</m:t>
+                    </m:r>
+                  </m:oMath>
+                </a14:m>
+                <a:endParaRPr lang="en-US" dirty="0"/>
+              </a:p>
+              <a:p>
+                <a:r>
+                  <a:rPr lang="en-US" dirty="0"/>
+                  <a:t>Some are limited between 0 and 1</a:t>
+                </a:r>
+              </a:p>
+              <a:p>
+                <a:r>
+                  <a:rPr lang="en-US" dirty="0"/>
+                  <a:t>Some are limited to positive values</a:t>
+                </a:r>
+              </a:p>
+              <a:p>
+                <a:pPr lvl="1"/>
+                <a:endParaRPr lang="en-US" dirty="0"/>
+              </a:p>
+            </p:txBody>
+          </p:sp>
+        </mc:Choice>
+        <mc:Fallback>
+          <p:sp>
+            <p:nvSpPr>
+              <p:cNvPr id="3" name="Content Placeholder 2">
+                <a:extLst>
+                  <a:ext uri="{FF2B5EF4-FFF2-40B4-BE49-F238E27FC236}">
+                    <a16:creationId xmlns:a16="http://schemas.microsoft.com/office/drawing/2014/main" id="{74A1FBD3-8578-3BCA-4D63-F3A85BA99EE7}"/>
+                  </a:ext>
+                </a:extLst>
+              </p:cNvPr>
+              <p:cNvSpPr>
+                <a:spLocks noGrp="1" noRot="1" noChangeAspect="1" noMove="1" noResize="1" noEditPoints="1" noAdjustHandles="1" noChangeArrowheads="1" noChangeShapeType="1" noTextEdit="1"/>
+              </p:cNvSpPr>
+              <p:nvPr>
+                <p:ph idx="1"/>
+              </p:nvPr>
+            </p:nvSpPr>
+            <p:spPr>
+              <a:blipFill>
+                <a:blip r:embed="rId2"/>
+                <a:stretch>
+                  <a:fillRect l="-1086" t="-2326"/>
+                </a:stretch>
+              </a:blipFill>
+            </p:spPr>
+            <p:txBody>
+              <a:bodyPr/>
+              <a:lstStyle/>
+              <a:p>
+                <a:r>
+                  <a:rPr lang="en-US">
+                    <a:noFill/>
+                  </a:rPr>
+                  <a:t> </a:t>
+                </a:r>
+              </a:p>
+            </p:txBody>
+          </p:sp>
+        </mc:Fallback>
+      </mc:AlternateContent>
+    </p:spTree>
+    <p:extLst>
+      <p:ext uri="{BB962C8B-B14F-4D97-AF65-F5344CB8AC3E}">
+        <p14:creationId xmlns:p14="http://schemas.microsoft.com/office/powerpoint/2010/main" val="895884927"/>
+      </p:ext>
+    </p:extLst>
+  </p:cSld>
+  <p:clrMapOvr>
+    <a:masterClrMapping/>
+  </p:clrMapOvr>
+</p:sld>
+</file>
+
+<file path=ppt/slides/slide4.xml><?xml version="1.0" encoding="utf-8"?>
+<p:sld xmlns:a="http://schemas.openxmlformats.org/drawingml/2006/main" xmlns:r="http://schemas.openxmlformats.org/officeDocument/2006/relationships" xmlns:p="http://schemas.openxmlformats.org/presentationml/2006/main">
+  <p:cSld>
+    <p:spTree>
+      <p:nvGrpSpPr>
+        <p:cNvPr id="1" name=""/>
+        <p:cNvGrpSpPr/>
+        <p:nvPr/>
+      </p:nvGrpSpPr>
+      <p:grpSpPr>
+        <a:xfrm>
+          <a:off x="0" y="0"/>
+          <a:ext cx="0" cy="0"/>
+          <a:chOff x="0" y="0"/>
+          <a:chExt cx="0" cy="0"/>
+        </a:xfrm>
+      </p:grpSpPr>
+      <p:sp>
+        <p:nvSpPr>
+          <p:cNvPr id="2" name="Title 1">
+            <a:extLst>
+              <a:ext uri="{FF2B5EF4-FFF2-40B4-BE49-F238E27FC236}">
+                <a16:creationId xmlns:a16="http://schemas.microsoft.com/office/drawing/2014/main" id="{231CDDF9-33CD-F75F-5E1E-50C62FBEF7CE}"/>
+              </a:ext>
+            </a:extLst>
+          </p:cNvPr>
+          <p:cNvSpPr>
+            <a:spLocks noGrp="1"/>
+          </p:cNvSpPr>
+          <p:nvPr>
+            <p:ph type="title"/>
+          </p:nvPr>
+        </p:nvSpPr>
+        <p:spPr/>
+        <p:txBody>
+          <a:bodyPr/>
+          <a:lstStyle/>
+          <a:p>
+            <a:r>
+              <a:rPr lang="en-US" dirty="0"/>
+              <a:t>Limited Dependent Variables</a:t>
+            </a:r>
+          </a:p>
+        </p:txBody>
+      </p:sp>
+      <mc:AlternateContent xmlns:mc="http://schemas.openxmlformats.org/markup-compatibility/2006">
+        <mc:Choice xmlns:a14="http://schemas.microsoft.com/office/drawing/2010/main" Requires="a14">
+          <p:sp>
+            <p:nvSpPr>
+              <p:cNvPr id="3" name="Content Placeholder 2">
+                <a:extLst>
+                  <a:ext uri="{FF2B5EF4-FFF2-40B4-BE49-F238E27FC236}">
+                    <a16:creationId xmlns:a16="http://schemas.microsoft.com/office/drawing/2014/main" id="{74A1FBD3-8578-3BCA-4D63-F3A85BA99EE7}"/>
+                  </a:ext>
+                </a:extLst>
+              </p:cNvPr>
+              <p:cNvSpPr>
+                <a:spLocks noGrp="1"/>
+              </p:cNvSpPr>
+              <p:nvPr>
+                <p:ph idx="1"/>
+              </p:nvPr>
+            </p:nvSpPr>
+            <p:spPr/>
+            <p:txBody>
+              <a:bodyPr>
+                <a:normAutofit/>
+              </a:bodyPr>
+              <a:lstStyle/>
+              <a:p>
+                <a:r>
+                  <a:rPr lang="en-US" dirty="0"/>
+                  <a:t>With economic variables, we may be limited to only positive values</a:t>
+                </a:r>
+              </a:p>
+              <a:p>
+                <a:r>
+                  <a:rPr lang="en-US" dirty="0"/>
+                  <a:t>Examples</a:t>
+                </a:r>
+              </a:p>
+              <a:p>
+                <a:pPr lvl="1"/>
+                <a:r>
+                  <a:rPr lang="en-US" dirty="0"/>
+                  <a:t>Number of hours may be limited between 0 and 60 per week</a:t>
+                </a:r>
+              </a:p>
+              <a:p>
+                <a:pPr lvl="1"/>
+                <a:r>
+                  <a:rPr lang="en-US" dirty="0"/>
+                  <a:t>Number of arrests</a:t>
+                </a:r>
+              </a:p>
+              <a:p>
+                <a:pPr lvl="1"/>
+                <a:r>
+                  <a:rPr lang="en-US" dirty="0"/>
+                  <a:t>Hourly wage cannot be below zero</a:t>
+                </a:r>
+              </a:p>
+              <a:p>
+                <a:pPr lvl="1"/>
+                <a:r>
+                  <a:rPr lang="en-US" dirty="0"/>
+                  <a:t>Nominal interest rate cannot go below zero (real can though)</a:t>
+                </a:r>
+              </a:p>
+              <a:p>
+                <a:r>
+                  <a:rPr lang="en-US" dirty="0"/>
+                  <a:t>When our dependent variable is discrete with a limited number of values</a:t>
+                </a:r>
+              </a:p>
+              <a:p>
+                <a:pPr lvl="1"/>
+                <a:r>
+                  <a:rPr lang="en-US" dirty="0"/>
+                  <a:t>We may need a special treatment, since our </a:t>
+                </a:r>
+                <a14:m>
+                  <m:oMath xmlns:m="http://schemas.openxmlformats.org/officeDocument/2006/math">
+                    <m:r>
+                      <a:rPr lang="en-US" b="0" i="1" smtClean="0">
+                        <a:latin typeface="Cambria Math" panose="02040503050406030204" pitchFamily="18" charset="0"/>
+                      </a:rPr>
+                      <m:t>𝑦</m:t>
+                    </m:r>
+                  </m:oMath>
+                </a14:m>
+                <a:r>
+                  <a:rPr lang="en-US" dirty="0"/>
+                  <a:t> may not be continuous</a:t>
+                </a:r>
+              </a:p>
+              <a:p>
+                <a:pPr lvl="1"/>
+                <a:r>
+                  <a:rPr lang="en-US" dirty="0"/>
+                  <a:t>Using OLS may have drawbacks or be inappropriate depending</a:t>
+                </a:r>
+              </a:p>
+              <a:p>
+                <a:pPr lvl="1"/>
+                <a:endParaRPr lang="en-US" dirty="0"/>
+              </a:p>
+              <a:p>
+                <a:pPr lvl="1"/>
+                <a:endParaRPr lang="en-US" dirty="0"/>
+              </a:p>
+            </p:txBody>
+          </p:sp>
+        </mc:Choice>
+        <mc:Fallback>
+          <p:sp>
+            <p:nvSpPr>
+              <p:cNvPr id="3" name="Content Placeholder 2">
+                <a:extLst>
+                  <a:ext uri="{FF2B5EF4-FFF2-40B4-BE49-F238E27FC236}">
+                    <a16:creationId xmlns:a16="http://schemas.microsoft.com/office/drawing/2014/main" id="{74A1FBD3-8578-3BCA-4D63-F3A85BA99EE7}"/>
+                  </a:ext>
+                </a:extLst>
+              </p:cNvPr>
+              <p:cNvSpPr>
+                <a:spLocks noGrp="1" noRot="1" noChangeAspect="1" noMove="1" noResize="1" noEditPoints="1" noAdjustHandles="1" noChangeArrowheads="1" noChangeShapeType="1" noTextEdit="1"/>
+              </p:cNvSpPr>
+              <p:nvPr>
+                <p:ph idx="1"/>
+              </p:nvPr>
+            </p:nvSpPr>
+            <p:spPr>
+              <a:blipFill>
+                <a:blip r:embed="rId2"/>
+                <a:stretch>
+                  <a:fillRect l="-1086" t="-2326" b="-581"/>
+                </a:stretch>
+              </a:blipFill>
+            </p:spPr>
+            <p:txBody>
+              <a:bodyPr/>
+              <a:lstStyle/>
+              <a:p>
+                <a:r>
+                  <a:rPr lang="en-US">
+                    <a:noFill/>
+                  </a:rPr>
+                  <a:t> </a:t>
+                </a:r>
+              </a:p>
+            </p:txBody>
+          </p:sp>
+        </mc:Fallback>
+      </mc:AlternateContent>
+    </p:spTree>
+    <p:extLst>
+      <p:ext uri="{BB962C8B-B14F-4D97-AF65-F5344CB8AC3E}">
+        <p14:creationId xmlns:p14="http://schemas.microsoft.com/office/powerpoint/2010/main" val="1759582105"/>
+      </p:ext>
+    </p:extLst>
+  </p:cSld>
+  <p:clrMapOvr>
+    <a:masterClrMapping/>
+  </p:clrMapOvr>
+</p:sld>
+</file>
+
+<file path=ppt/slides/slide5.xml><?xml version="1.0" encoding="utf-8"?>
+<p:sld xmlns:a="http://schemas.openxmlformats.org/drawingml/2006/main" xmlns:r="http://schemas.openxmlformats.org/officeDocument/2006/relationships" xmlns:p="http://schemas.openxmlformats.org/presentationml/2006/main">
+  <p:cSld>
+    <p:spTree>
+      <p:nvGrpSpPr>
+        <p:cNvPr id="1" name=""/>
+        <p:cNvGrpSpPr/>
+        <p:nvPr/>
+      </p:nvGrpSpPr>
+      <p:grpSpPr>
+        <a:xfrm>
+          <a:off x="0" y="0"/>
+          <a:ext cx="0" cy="0"/>
+          <a:chOff x="0" y="0"/>
+          <a:chExt cx="0" cy="0"/>
+        </a:xfrm>
+      </p:grpSpPr>
+      <p:sp>
+        <p:nvSpPr>
+          <p:cNvPr id="2" name="Title 1">
+            <a:extLst>
+              <a:ext uri="{FF2B5EF4-FFF2-40B4-BE49-F238E27FC236}">
+                <a16:creationId xmlns:a16="http://schemas.microsoft.com/office/drawing/2014/main" id="{231CDDF9-33CD-F75F-5E1E-50C62FBEF7CE}"/>
+              </a:ext>
+            </a:extLst>
+          </p:cNvPr>
+          <p:cNvSpPr>
+            <a:spLocks noGrp="1"/>
+          </p:cNvSpPr>
+          <p:nvPr>
+            <p:ph type="title"/>
+          </p:nvPr>
+        </p:nvSpPr>
+        <p:spPr/>
+        <p:txBody>
+          <a:bodyPr/>
+          <a:lstStyle/>
+          <a:p>
+            <a:r>
+              <a:rPr lang="en-US" dirty="0"/>
+              <a:t>Limited Dependent Variables</a:t>
+            </a:r>
+          </a:p>
+        </p:txBody>
+      </p:sp>
+      <mc:AlternateContent xmlns:mc="http://schemas.openxmlformats.org/markup-compatibility/2006">
+        <mc:Choice xmlns:a14="http://schemas.microsoft.com/office/drawing/2010/main" Requires="a14">
+          <p:sp>
+            <p:nvSpPr>
+              <p:cNvPr id="3" name="Content Placeholder 2">
+                <a:extLst>
+                  <a:ext uri="{FF2B5EF4-FFF2-40B4-BE49-F238E27FC236}">
+                    <a16:creationId xmlns:a16="http://schemas.microsoft.com/office/drawing/2014/main" id="{74A1FBD3-8578-3BCA-4D63-F3A85BA99EE7}"/>
+                  </a:ext>
+                </a:extLst>
+              </p:cNvPr>
+              <p:cNvSpPr>
+                <a:spLocks noGrp="1"/>
+              </p:cNvSpPr>
+              <p:nvPr>
+                <p:ph idx="1"/>
+              </p:nvPr>
+            </p:nvSpPr>
+            <p:spPr/>
+            <p:txBody>
+              <a:bodyPr>
+                <a:normAutofit lnSpcReduction="10000"/>
+              </a:bodyPr>
+              <a:lstStyle/>
+              <a:p>
+                <a:r>
+                  <a:rPr lang="en-US" dirty="0"/>
+                  <a:t>Binary Response</a:t>
+                </a:r>
+              </a:p>
+              <a:p>
+                <a:pPr lvl="1"/>
+                <a:r>
+                  <a:rPr lang="en-US" dirty="0"/>
+                  <a:t>We may have a Yes/No answer with a binary response</a:t>
+                </a:r>
+              </a:p>
+              <a:p>
+                <a:pPr lvl="1"/>
+                <a:r>
+                  <a:rPr lang="en-US" dirty="0"/>
+                  <a:t>Ex: Employed or Unemployed; In Labor Force or Out of Labor Force</a:t>
+                </a:r>
+              </a:p>
+              <a:p>
+                <a:r>
+                  <a:rPr lang="en-US" dirty="0"/>
+                  <a:t>Corner Solution</a:t>
+                </a:r>
+              </a:p>
+              <a:p>
+                <a:pPr lvl="1"/>
+                <a:r>
+                  <a:rPr lang="en-US" dirty="0"/>
+                  <a:t>Optimizing behavior may lead to a corner solution where </a:t>
+                </a:r>
+                <a:r>
+                  <a:rPr lang="en-US" dirty="0" err="1"/>
+                  <a:t>nontrival</a:t>
+                </a:r>
+                <a:r>
+                  <a:rPr lang="en-US" dirty="0"/>
+                  <a:t> portion of customers use 0 amounts of a good or service </a:t>
+                </a:r>
+              </a:p>
+              <a:p>
+                <a:pPr lvl="1"/>
+                <a:r>
+                  <a:rPr lang="en-US" dirty="0"/>
+                  <a:t>Ex: Smoking </a:t>
+                </a:r>
+              </a:p>
+              <a:p>
+                <a:r>
+                  <a:rPr lang="en-US" dirty="0"/>
+                  <a:t>Nonnegative Integer values</a:t>
+                </a:r>
+              </a:p>
+              <a:p>
+                <a:pPr lvl="1"/>
+                <a:r>
+                  <a:rPr lang="en-US" dirty="0"/>
+                  <a:t>We may have count variables where </a:t>
+                </a:r>
+                <a14:m>
+                  <m:oMath xmlns:m="http://schemas.openxmlformats.org/officeDocument/2006/math">
+                    <m:r>
+                      <a:rPr lang="en-US" b="0" i="1" smtClean="0">
+                        <a:latin typeface="Cambria Math" panose="02040503050406030204" pitchFamily="18" charset="0"/>
+                      </a:rPr>
+                      <m:t>𝑦</m:t>
+                    </m:r>
+                  </m:oMath>
+                </a14:m>
+                <a:r>
+                  <a:rPr lang="en-US" dirty="0"/>
+                  <a:t> takes on discrete integers in small values</a:t>
+                </a:r>
+              </a:p>
+              <a:p>
+                <a:pPr lvl="1"/>
+                <a:r>
+                  <a:rPr lang="en-US" dirty="0"/>
+                  <a:t>Ex: Number of car accidents</a:t>
+                </a:r>
+              </a:p>
+              <a:p>
+                <a:pPr lvl="1"/>
+                <a:endParaRPr lang="en-US" dirty="0"/>
+              </a:p>
+              <a:p>
+                <a:pPr lvl="1"/>
+                <a:endParaRPr lang="en-US" dirty="0"/>
+              </a:p>
+            </p:txBody>
+          </p:sp>
+        </mc:Choice>
+        <mc:Fallback>
+          <p:sp>
+            <p:nvSpPr>
+              <p:cNvPr id="3" name="Content Placeholder 2">
+                <a:extLst>
+                  <a:ext uri="{FF2B5EF4-FFF2-40B4-BE49-F238E27FC236}">
+                    <a16:creationId xmlns:a16="http://schemas.microsoft.com/office/drawing/2014/main" id="{74A1FBD3-8578-3BCA-4D63-F3A85BA99EE7}"/>
+                  </a:ext>
+                </a:extLst>
+              </p:cNvPr>
+              <p:cNvSpPr>
+                <a:spLocks noGrp="1" noRot="1" noChangeAspect="1" noMove="1" noResize="1" noEditPoints="1" noAdjustHandles="1" noChangeArrowheads="1" noChangeShapeType="1" noTextEdit="1"/>
+              </p:cNvSpPr>
+              <p:nvPr>
+                <p:ph idx="1"/>
+              </p:nvPr>
+            </p:nvSpPr>
+            <p:spPr>
+              <a:blipFill>
+                <a:blip r:embed="rId2"/>
+                <a:stretch>
+                  <a:fillRect l="-1086" t="-3198" r="-241"/>
+                </a:stretch>
+              </a:blipFill>
+            </p:spPr>
+            <p:txBody>
+              <a:bodyPr/>
+              <a:lstStyle/>
+              <a:p>
+                <a:r>
+                  <a:rPr lang="en-US">
+                    <a:noFill/>
+                  </a:rPr>
+                  <a:t> </a:t>
+                </a:r>
+              </a:p>
+            </p:txBody>
+          </p:sp>
+        </mc:Fallback>
+      </mc:AlternateContent>
+    </p:spTree>
+    <p:extLst>
+      <p:ext uri="{BB962C8B-B14F-4D97-AF65-F5344CB8AC3E}">
+        <p14:creationId xmlns:p14="http://schemas.microsoft.com/office/powerpoint/2010/main" val="1168344357"/>
+      </p:ext>
+    </p:extLst>
+  </p:cSld>
+  <p:clrMapOvr>
+    <a:masterClrMapping/>
+  </p:clrMapOvr>
+</p:sld>
+</file>
+
+<file path=ppt/slides/slide6.xml><?xml version="1.0" encoding="utf-8"?>
+<p:sld xmlns:a="http://schemas.openxmlformats.org/drawingml/2006/main" xmlns:r="http://schemas.openxmlformats.org/officeDocument/2006/relationships" xmlns:p="http://schemas.openxmlformats.org/presentationml/2006/main">
+  <p:cSld>
+    <p:spTree>
+      <p:nvGrpSpPr>
+        <p:cNvPr id="1" name=""/>
+        <p:cNvGrpSpPr/>
+        <p:nvPr/>
+      </p:nvGrpSpPr>
+      <p:grpSpPr>
+        <a:xfrm>
+          <a:off x="0" y="0"/>
+          <a:ext cx="0" cy="0"/>
+          <a:chOff x="0" y="0"/>
+          <a:chExt cx="0" cy="0"/>
+        </a:xfrm>
+      </p:grpSpPr>
+      <p:sp>
+        <p:nvSpPr>
+          <p:cNvPr id="2" name="Title 1">
+            <a:extLst>
+              <a:ext uri="{FF2B5EF4-FFF2-40B4-BE49-F238E27FC236}">
+                <a16:creationId xmlns:a16="http://schemas.microsoft.com/office/drawing/2014/main" id="{08A3BEFB-379D-B465-6083-5B9555BB7BBC}"/>
+              </a:ext>
+            </a:extLst>
+          </p:cNvPr>
+          <p:cNvSpPr>
+            <a:spLocks noGrp="1"/>
+          </p:cNvSpPr>
+          <p:nvPr>
+            <p:ph type="title"/>
+          </p:nvPr>
+        </p:nvSpPr>
+        <p:spPr/>
+        <p:txBody>
+          <a:bodyPr/>
+          <a:lstStyle/>
+          <a:p>
+            <a:r>
+              <a:rPr lang="en-US" dirty="0"/>
+              <a:t>Binary Dependent Variables</a:t>
+            </a:r>
+          </a:p>
+        </p:txBody>
+      </p:sp>
+      <p:sp>
+        <p:nvSpPr>
+          <p:cNvPr id="3" name="Text Placeholder 2">
+            <a:extLst>
+              <a:ext uri="{FF2B5EF4-FFF2-40B4-BE49-F238E27FC236}">
+                <a16:creationId xmlns:a16="http://schemas.microsoft.com/office/drawing/2014/main" id="{DD9D3873-306F-682F-1ABE-19A48FCE3CA4}"/>
+              </a:ext>
+            </a:extLst>
+          </p:cNvPr>
+          <p:cNvSpPr>
+            <a:spLocks noGrp="1"/>
+          </p:cNvSpPr>
+          <p:nvPr>
+            <p:ph type="body" idx="1"/>
+          </p:nvPr>
+        </p:nvSpPr>
+        <p:spPr/>
+        <p:txBody>
+          <a:bodyPr/>
+          <a:lstStyle/>
+          <a:p>
+            <a:endParaRPr lang="en-US"/>
+          </a:p>
+        </p:txBody>
+      </p:sp>
+    </p:spTree>
+    <p:extLst>
+      <p:ext uri="{BB962C8B-B14F-4D97-AF65-F5344CB8AC3E}">
+        <p14:creationId xmlns:p14="http://schemas.microsoft.com/office/powerpoint/2010/main" val="3864101797"/>
+      </p:ext>
+    </p:extLst>
+  </p:cSld>
+  <p:clrMapOvr>
+    <a:masterClrMapping/>
+  </p:clrMapOvr>
+</p:sld>
+</file>
+
+<file path=ppt/slides/slide7.xml><?xml version="1.0" encoding="utf-8"?>
+<p:sld xmlns:a="http://schemas.openxmlformats.org/drawingml/2006/main" xmlns:r="http://schemas.openxmlformats.org/officeDocument/2006/relationships" xmlns:p="http://schemas.openxmlformats.org/presentationml/2006/main">
+  <p:cSld>
+    <p:spTree>
+      <p:nvGrpSpPr>
+        <p:cNvPr id="1" name=""/>
+        <p:cNvGrpSpPr/>
+        <p:nvPr/>
+      </p:nvGrpSpPr>
+      <p:grpSpPr>
+        <a:xfrm>
+          <a:off x="0" y="0"/>
+          <a:ext cx="0" cy="0"/>
+          <a:chOff x="0" y="0"/>
+          <a:chExt cx="0" cy="0"/>
+        </a:xfrm>
+      </p:grpSpPr>
+      <p:sp>
+        <p:nvSpPr>
+          <p:cNvPr id="2" name="Title 1">
+            <a:extLst>
+              <a:ext uri="{FF2B5EF4-FFF2-40B4-BE49-F238E27FC236}">
+                <a16:creationId xmlns:a16="http://schemas.microsoft.com/office/drawing/2014/main" id="{DAB02807-06C9-BA5B-0306-3C60E4A46096}"/>
+              </a:ext>
+            </a:extLst>
+          </p:cNvPr>
+          <p:cNvSpPr>
+            <a:spLocks noGrp="1"/>
+          </p:cNvSpPr>
+          <p:nvPr>
+            <p:ph type="title"/>
+          </p:nvPr>
+        </p:nvSpPr>
+        <p:spPr/>
+        <p:txBody>
+          <a:bodyPr/>
+          <a:lstStyle/>
+          <a:p>
+            <a:r>
+              <a:rPr lang="en-US" dirty="0"/>
+              <a:t>Binary Response Models</a:t>
+            </a:r>
+          </a:p>
+        </p:txBody>
+      </p:sp>
+      <mc:AlternateContent xmlns:mc="http://schemas.openxmlformats.org/markup-compatibility/2006">
+        <mc:Choice xmlns:a14="http://schemas.microsoft.com/office/drawing/2010/main" Requires="a14">
+          <p:sp>
+            <p:nvSpPr>
+              <p:cNvPr id="3" name="Content Placeholder 2">
+                <a:extLst>
+                  <a:ext uri="{FF2B5EF4-FFF2-40B4-BE49-F238E27FC236}">
+                    <a16:creationId xmlns:a16="http://schemas.microsoft.com/office/drawing/2014/main" id="{8E84AB64-1891-0155-7B69-6B1575F65AF7}"/>
+                  </a:ext>
+                </a:extLst>
+              </p:cNvPr>
+              <p:cNvSpPr>
+                <a:spLocks noGrp="1"/>
+              </p:cNvSpPr>
+              <p:nvPr>
+                <p:ph idx="1"/>
+              </p:nvPr>
+            </p:nvSpPr>
+            <p:spPr/>
+            <p:txBody>
+              <a:bodyPr>
+                <a:normAutofit/>
+              </a:bodyPr>
+              <a:lstStyle/>
+              <a:p>
+                <a:r>
+                  <a:rPr lang="en-US" dirty="0"/>
+                  <a:t>Binary Response Models</a:t>
+                </a:r>
+              </a:p>
+              <a:p>
+                <a:pPr lvl="1"/>
+                <a:r>
+                  <a:rPr lang="en-US" dirty="0"/>
+                  <a:t>Are models for when we have a binary/dummy response</a:t>
+                </a:r>
+              </a:p>
+              <a:p>
+                <a:pPr lvl="1"/>
+                <a:r>
+                  <a:rPr lang="en-US" dirty="0"/>
+                  <a:t>Binary responses takes on two values </a:t>
+                </a:r>
+                <a14:m>
+                  <m:oMath xmlns:m="http://schemas.openxmlformats.org/officeDocument/2006/math">
+                    <m:r>
+                      <a:rPr lang="en-US" b="0" i="1" smtClean="0">
+                        <a:latin typeface="Cambria Math" panose="02040503050406030204" pitchFamily="18" charset="0"/>
+                      </a:rPr>
+                      <m:t>[0,1]</m:t>
+                    </m:r>
+                  </m:oMath>
+                </a14:m>
+                <a:endParaRPr lang="en-US" dirty="0"/>
+              </a:p>
+              <a:p>
+                <a:r>
+                  <a:rPr lang="en-US" dirty="0"/>
+                  <a:t>We are mainly interested in response probability</a:t>
+                </a:r>
+              </a:p>
+              <a:p>
+                <a:pPr lvl="1"/>
+                <a:r>
+                  <a:rPr lang="en-US" dirty="0"/>
+                  <a:t>What is the change in probability of </a:t>
+                </a:r>
+                <a14:m>
+                  <m:oMath xmlns:m="http://schemas.openxmlformats.org/officeDocument/2006/math">
+                    <m:r>
+                      <a:rPr lang="en-US" b="0" i="1" smtClean="0">
+                        <a:latin typeface="Cambria Math" panose="02040503050406030204" pitchFamily="18" charset="0"/>
+                      </a:rPr>
+                      <m:t>𝑦</m:t>
+                    </m:r>
+                  </m:oMath>
+                </a14:m>
+                <a:r>
+                  <a:rPr lang="en-US" dirty="0"/>
+                  <a:t> with a marginal change in </a:t>
+                </a:r>
+                <a14:m>
+                  <m:oMath xmlns:m="http://schemas.openxmlformats.org/officeDocument/2006/math">
+                    <m:r>
+                      <a:rPr lang="en-US" b="0" i="1" smtClean="0">
+                        <a:latin typeface="Cambria Math" panose="02040503050406030204" pitchFamily="18" charset="0"/>
+                      </a:rPr>
+                      <m:t>𝑥</m:t>
+                    </m:r>
+                  </m:oMath>
+                </a14:m>
+                <a:r>
+                  <a:rPr lang="en-US" dirty="0"/>
+                  <a:t>?</a:t>
+                </a:r>
+              </a:p>
+              <a:p>
+                <a:pPr lvl="1"/>
+                <a14:m>
+                  <m:oMath xmlns:m="http://schemas.openxmlformats.org/officeDocument/2006/math">
+                    <m:func>
+                      <m:funcPr>
+                        <m:ctrlPr>
+                          <a:rPr lang="en-US" b="0" i="1" smtClean="0">
+                            <a:latin typeface="Cambria Math" panose="02040503050406030204" pitchFamily="18" charset="0"/>
+                          </a:rPr>
+                        </m:ctrlPr>
+                      </m:funcPr>
+                      <m:fName>
+                        <m:r>
+                          <m:rPr>
+                            <m:sty m:val="p"/>
+                          </m:rPr>
+                          <a:rPr lang="en-US" b="0" i="0" smtClean="0">
+                            <a:latin typeface="Cambria Math" panose="02040503050406030204" pitchFamily="18" charset="0"/>
+                          </a:rPr>
+                          <m:t>Pr</m:t>
+                        </m:r>
+                      </m:fName>
+                      <m:e>
+                        <m:d>
+                          <m:dPr>
+                            <m:ctrlPr>
+                              <a:rPr lang="en-US" b="0" i="1" smtClean="0">
+                                <a:latin typeface="Cambria Math" panose="02040503050406030204" pitchFamily="18" charset="0"/>
+                              </a:rPr>
+                            </m:ctrlPr>
+                          </m:dPr>
+                          <m:e>
+                            <m:r>
+                              <a:rPr lang="en-US" b="0" i="1" smtClean="0">
+                                <a:latin typeface="Cambria Math" panose="02040503050406030204" pitchFamily="18" charset="0"/>
+                              </a:rPr>
+                              <m:t>𝑦</m:t>
+                            </m:r>
+                            <m:r>
+                              <a:rPr lang="en-US" b="0" i="1" smtClean="0">
+                                <a:latin typeface="Cambria Math" panose="02040503050406030204" pitchFamily="18" charset="0"/>
+                              </a:rPr>
+                              <m:t>=1</m:t>
+                            </m:r>
+                          </m:e>
+                          <m:e>
+                            <m:r>
+                              <a:rPr lang="en-US" b="1" i="1" smtClean="0">
+                                <a:latin typeface="Cambria Math" panose="02040503050406030204" pitchFamily="18" charset="0"/>
+                              </a:rPr>
+                              <m:t>𝒙</m:t>
+                            </m:r>
+                          </m:e>
+                        </m:d>
+                      </m:e>
+                    </m:func>
+                    <m:r>
+                      <a:rPr lang="en-US" b="0" i="1" smtClean="0">
+                        <a:latin typeface="Cambria Math" panose="02040503050406030204" pitchFamily="18" charset="0"/>
+                      </a:rPr>
+                      <m:t>=</m:t>
+                    </m:r>
+                    <m:r>
+                      <m:rPr>
+                        <m:sty m:val="p"/>
+                      </m:rPr>
+                      <a:rPr lang="en-US" b="0" i="0" smtClean="0">
+                        <a:latin typeface="Cambria Math" panose="02040503050406030204" pitchFamily="18" charset="0"/>
+                      </a:rPr>
+                      <m:t>Pr</m:t>
+                    </m:r>
+                    <m:r>
+                      <a:rPr lang="en-US" b="0" i="1" smtClean="0">
+                        <a:latin typeface="Cambria Math" panose="02040503050406030204" pitchFamily="18" charset="0"/>
+                      </a:rPr>
+                      <m:t>⁡(</m:t>
+                    </m:r>
+                    <m:r>
+                      <a:rPr lang="en-US" b="0" i="1" smtClean="0">
+                        <a:latin typeface="Cambria Math" panose="02040503050406030204" pitchFamily="18" charset="0"/>
+                      </a:rPr>
+                      <m:t>𝑦</m:t>
+                    </m:r>
+                    <m:r>
+                      <a:rPr lang="en-US" b="0" i="1" smtClean="0">
+                        <a:latin typeface="Cambria Math" panose="02040503050406030204" pitchFamily="18" charset="0"/>
+                      </a:rPr>
+                      <m:t>=1|</m:t>
+                    </m:r>
+                    <m:sSub>
+                      <m:sSubPr>
+                        <m:ctrlPr>
+                          <a:rPr lang="en-US" b="0" i="1" smtClean="0">
+                            <a:latin typeface="Cambria Math" panose="02040503050406030204" pitchFamily="18" charset="0"/>
+                          </a:rPr>
+                        </m:ctrlPr>
+                      </m:sSubPr>
+                      <m:e>
+                        <m:r>
+                          <a:rPr lang="en-US" b="0" i="1" smtClean="0">
+                            <a:latin typeface="Cambria Math" panose="02040503050406030204" pitchFamily="18" charset="0"/>
+                          </a:rPr>
+                          <m:t>𝑥</m:t>
+                        </m:r>
+                      </m:e>
+                      <m:sub>
+                        <m:r>
+                          <a:rPr lang="en-US" b="0" i="1" smtClean="0">
+                            <a:latin typeface="Cambria Math" panose="02040503050406030204" pitchFamily="18" charset="0"/>
+                          </a:rPr>
+                          <m:t>1</m:t>
+                        </m:r>
+                      </m:sub>
+                    </m:sSub>
+                    <m:r>
+                      <a:rPr lang="en-US" b="0" i="1" smtClean="0">
+                        <a:latin typeface="Cambria Math" panose="02040503050406030204" pitchFamily="18" charset="0"/>
+                      </a:rPr>
+                      <m:t>,</m:t>
+                    </m:r>
+                    <m:sSub>
+                      <m:sSubPr>
+                        <m:ctrlPr>
+                          <a:rPr lang="en-US" b="0" i="1" smtClean="0">
+                            <a:latin typeface="Cambria Math" panose="02040503050406030204" pitchFamily="18" charset="0"/>
+                          </a:rPr>
+                        </m:ctrlPr>
+                      </m:sSubPr>
+                      <m:e>
+                        <m:r>
+                          <a:rPr lang="en-US" b="0" i="1" smtClean="0">
+                            <a:latin typeface="Cambria Math" panose="02040503050406030204" pitchFamily="18" charset="0"/>
+                          </a:rPr>
+                          <m:t>𝑥</m:t>
+                        </m:r>
+                      </m:e>
+                      <m:sub>
+                        <m:r>
+                          <a:rPr lang="en-US" b="0" i="1" smtClean="0">
+                            <a:latin typeface="Cambria Math" panose="02040503050406030204" pitchFamily="18" charset="0"/>
+                          </a:rPr>
+                          <m:t>2</m:t>
+                        </m:r>
+                      </m:sub>
+                    </m:sSub>
+                    <m:r>
+                      <a:rPr lang="en-US" b="0" i="1" smtClean="0">
+                        <a:latin typeface="Cambria Math" panose="02040503050406030204" pitchFamily="18" charset="0"/>
+                      </a:rPr>
+                      <m:t>,…,</m:t>
+                    </m:r>
+                    <m:sSub>
+                      <m:sSubPr>
+                        <m:ctrlPr>
+                          <a:rPr lang="en-US" b="0" i="1" smtClean="0">
+                            <a:latin typeface="Cambria Math" panose="02040503050406030204" pitchFamily="18" charset="0"/>
+                          </a:rPr>
+                        </m:ctrlPr>
+                      </m:sSubPr>
+                      <m:e>
+                        <m:r>
+                          <a:rPr lang="en-US" b="0" i="1" smtClean="0">
+                            <a:latin typeface="Cambria Math" panose="02040503050406030204" pitchFamily="18" charset="0"/>
+                          </a:rPr>
+                          <m:t>𝑥</m:t>
+                        </m:r>
+                      </m:e>
+                      <m:sub>
+                        <m:r>
+                          <a:rPr lang="en-US" b="0" i="1" smtClean="0">
+                            <a:latin typeface="Cambria Math" panose="02040503050406030204" pitchFamily="18" charset="0"/>
+                          </a:rPr>
+                          <m:t>𝑘</m:t>
+                        </m:r>
+                      </m:sub>
+                    </m:sSub>
+                    <m:r>
+                      <a:rPr lang="en-US" b="0" i="1" smtClean="0">
+                        <a:latin typeface="Cambria Math" panose="02040503050406030204" pitchFamily="18" charset="0"/>
+                      </a:rPr>
+                      <m:t>)</m:t>
+                    </m:r>
+                  </m:oMath>
+                </a14:m>
+                <a:endParaRPr lang="en-US" dirty="0"/>
+              </a:p>
+              <a:p>
+                <a:r>
+                  <a:rPr lang="en-US" dirty="0"/>
+                  <a:t>We have two binary response estimators</a:t>
+                </a:r>
+              </a:p>
+              <a:p>
+                <a:pPr lvl="1"/>
+                <a:r>
+                  <a:rPr lang="en-US" dirty="0"/>
+                  <a:t>Logit</a:t>
+                </a:r>
+              </a:p>
+              <a:p>
+                <a:pPr lvl="1"/>
+                <a:r>
+                  <a:rPr lang="en-US" dirty="0" err="1"/>
+                  <a:t>Probit</a:t>
+                </a:r>
+                <a:endParaRPr lang="en-US" dirty="0"/>
+              </a:p>
+              <a:p>
+                <a:endParaRPr lang="en-US" dirty="0"/>
+              </a:p>
+            </p:txBody>
+          </p:sp>
+        </mc:Choice>
+        <mc:Fallback>
+          <p:sp>
+            <p:nvSpPr>
+              <p:cNvPr id="3" name="Content Placeholder 2">
+                <a:extLst>
+                  <a:ext uri="{FF2B5EF4-FFF2-40B4-BE49-F238E27FC236}">
+                    <a16:creationId xmlns:a16="http://schemas.microsoft.com/office/drawing/2014/main" id="{8E84AB64-1891-0155-7B69-6B1575F65AF7}"/>
+                  </a:ext>
+                </a:extLst>
+              </p:cNvPr>
+              <p:cNvSpPr>
+                <a:spLocks noGrp="1" noRot="1" noChangeAspect="1" noMove="1" noResize="1" noEditPoints="1" noAdjustHandles="1" noChangeArrowheads="1" noChangeShapeType="1" noTextEdit="1"/>
+              </p:cNvSpPr>
+              <p:nvPr>
+                <p:ph idx="1"/>
+              </p:nvPr>
+            </p:nvSpPr>
+            <p:spPr>
+              <a:blipFill>
+                <a:blip r:embed="rId2"/>
+                <a:stretch>
+                  <a:fillRect l="-1086" t="-2326"/>
+                </a:stretch>
+              </a:blipFill>
+            </p:spPr>
+            <p:txBody>
+              <a:bodyPr/>
+              <a:lstStyle/>
+              <a:p>
+                <a:r>
+                  <a:rPr lang="en-US">
+                    <a:noFill/>
+                  </a:rPr>
+                  <a:t> </a:t>
+                </a:r>
+              </a:p>
+            </p:txBody>
+          </p:sp>
+        </mc:Fallback>
+      </mc:AlternateContent>
+    </p:spTree>
+    <p:extLst>
+      <p:ext uri="{BB962C8B-B14F-4D97-AF65-F5344CB8AC3E}">
+        <p14:creationId xmlns:p14="http://schemas.microsoft.com/office/powerpoint/2010/main" val="1432834500"/>
+      </p:ext>
+    </p:extLst>
+  </p:cSld>
+  <p:clrMapOvr>
+    <a:masterClrMapping/>
+  </p:clrMapOvr>
+</p:sld>
+</file>
+
+<file path=ppt/slides/slide8.xml><?xml version="1.0" encoding="utf-8"?>
+<p:sld xmlns:a="http://schemas.openxmlformats.org/drawingml/2006/main" xmlns:r="http://schemas.openxmlformats.org/officeDocument/2006/relationships" xmlns:p="http://schemas.openxmlformats.org/presentationml/2006/main">
+  <p:cSld>
+    <p:spTree>
+      <p:nvGrpSpPr>
+        <p:cNvPr id="1" name=""/>
+        <p:cNvGrpSpPr/>
+        <p:nvPr/>
+      </p:nvGrpSpPr>
+      <p:grpSpPr>
+        <a:xfrm>
+          <a:off x="0" y="0"/>
+          <a:ext cx="0" cy="0"/>
+          <a:chOff x="0" y="0"/>
+          <a:chExt cx="0" cy="0"/>
+        </a:xfrm>
+      </p:grpSpPr>
+      <p:sp>
+        <p:nvSpPr>
+          <p:cNvPr id="2" name="Title 1">
+            <a:extLst>
+              <a:ext uri="{FF2B5EF4-FFF2-40B4-BE49-F238E27FC236}">
+                <a16:creationId xmlns:a16="http://schemas.microsoft.com/office/drawing/2014/main" id="{DAB02807-06C9-BA5B-0306-3C60E4A46096}"/>
+              </a:ext>
+            </a:extLst>
+          </p:cNvPr>
+          <p:cNvSpPr>
+            <a:spLocks noGrp="1"/>
+          </p:cNvSpPr>
+          <p:nvPr>
+            <p:ph type="title"/>
+          </p:nvPr>
+        </p:nvSpPr>
+        <p:spPr/>
+        <p:txBody>
+          <a:bodyPr/>
+          <a:lstStyle/>
+          <a:p>
+            <a:r>
+              <a:rPr lang="en-US" dirty="0"/>
+              <a:t>Binary Response Models</a:t>
+            </a:r>
+          </a:p>
+        </p:txBody>
+      </p:sp>
+      <mc:AlternateContent xmlns:mc="http://schemas.openxmlformats.org/markup-compatibility/2006">
+        <mc:Choice xmlns:a14="http://schemas.microsoft.com/office/drawing/2010/main" Requires="a14">
+          <p:sp>
+            <p:nvSpPr>
+              <p:cNvPr id="3" name="Content Placeholder 2">
+                <a:extLst>
+                  <a:ext uri="{FF2B5EF4-FFF2-40B4-BE49-F238E27FC236}">
+                    <a16:creationId xmlns:a16="http://schemas.microsoft.com/office/drawing/2014/main" id="{8E84AB64-1891-0155-7B69-6B1575F65AF7}"/>
+                  </a:ext>
+                </a:extLst>
+              </p:cNvPr>
+              <p:cNvSpPr>
+                <a:spLocks noGrp="1"/>
+              </p:cNvSpPr>
+              <p:nvPr>
+                <p:ph idx="1"/>
+              </p:nvPr>
+            </p:nvSpPr>
+            <p:spPr/>
+            <p:txBody>
+              <a:bodyPr>
+                <a:normAutofit/>
+              </a:bodyPr>
+              <a:lstStyle/>
+              <a:p>
+                <a:r>
+                  <a:rPr lang="en-US" dirty="0"/>
+                  <a:t>We can use an OLS estimator to estimate parameters in a linear probability model</a:t>
+                </a:r>
+              </a:p>
+              <a:p>
+                <a:pPr lvl="1"/>
+                <a:r>
+                  <a:rPr lang="en-US" dirty="0"/>
+                  <a:t>It does have its drawbacks, such as </a:t>
+                </a:r>
+                <a14:m>
+                  <m:oMath xmlns:m="http://schemas.openxmlformats.org/officeDocument/2006/math">
+                    <m:acc>
+                      <m:accPr>
+                        <m:chr m:val="̂"/>
+                        <m:ctrlPr>
+                          <a:rPr lang="en-US" b="0" i="1" smtClean="0">
+                            <a:latin typeface="Cambria Math" panose="02040503050406030204" pitchFamily="18" charset="0"/>
+                          </a:rPr>
+                        </m:ctrlPr>
+                      </m:accPr>
+                      <m:e>
+                        <m:r>
+                          <a:rPr lang="en-US" b="0" i="1" smtClean="0">
+                            <a:latin typeface="Cambria Math" panose="02040503050406030204" pitchFamily="18" charset="0"/>
+                          </a:rPr>
+                          <m:t>𝑦</m:t>
+                        </m:r>
+                      </m:e>
+                    </m:acc>
+                    <m:r>
+                      <a:rPr lang="en-US" b="0" i="1" dirty="0" smtClean="0">
+                        <a:latin typeface="Cambria Math" panose="02040503050406030204" pitchFamily="18" charset="0"/>
+                      </a:rPr>
+                      <m:t>&lt;0,  </m:t>
+                    </m:r>
+                    <m:acc>
+                      <m:accPr>
+                        <m:chr m:val="̂"/>
+                        <m:ctrlPr>
+                          <a:rPr lang="en-US" b="0" i="1" dirty="0" smtClean="0">
+                            <a:latin typeface="Cambria Math" panose="02040503050406030204" pitchFamily="18" charset="0"/>
+                          </a:rPr>
+                        </m:ctrlPr>
+                      </m:accPr>
+                      <m:e>
+                        <m:r>
+                          <a:rPr lang="en-US" b="0" i="1" dirty="0" smtClean="0">
+                            <a:latin typeface="Cambria Math" panose="02040503050406030204" pitchFamily="18" charset="0"/>
+                          </a:rPr>
+                          <m:t>𝑦</m:t>
+                        </m:r>
+                      </m:e>
+                    </m:acc>
+                    <m:r>
+                      <a:rPr lang="en-US" b="0" i="1" dirty="0" smtClean="0">
+                        <a:latin typeface="Cambria Math" panose="02040503050406030204" pitchFamily="18" charset="0"/>
+                      </a:rPr>
+                      <m:t>&lt;1</m:t>
+                    </m:r>
+                  </m:oMath>
+                </a14:m>
+                <a:endParaRPr lang="en-US" dirty="0"/>
+              </a:p>
+              <a:p>
+                <a:pPr lvl="1"/>
+                <a:r>
+                  <a:rPr lang="en-US" dirty="0"/>
+                  <a:t>We can use it as comparisons to estimates of marginal effects around the average using our Logit and </a:t>
+                </a:r>
+                <a:r>
+                  <a:rPr lang="en-US" dirty="0" err="1"/>
+                  <a:t>Probit</a:t>
+                </a:r>
+                <a:r>
+                  <a:rPr lang="en-US" dirty="0"/>
+                  <a:t> models</a:t>
+                </a:r>
+              </a:p>
+              <a:p>
+                <a:r>
+                  <a:rPr lang="en-US" dirty="0"/>
+                  <a:t>Nonlinear estimation</a:t>
+                </a:r>
+              </a:p>
+              <a:p>
+                <a:pPr lvl="1"/>
+                <a:r>
+                  <a:rPr lang="en-US" dirty="0"/>
+                  <a:t>Our logistic estimator uses a logistic function</a:t>
+                </a:r>
+              </a:p>
+              <a:p>
+                <a:pPr lvl="1"/>
+                <a:r>
+                  <a:rPr lang="en-US" dirty="0"/>
+                  <a:t>Our </a:t>
+                </a:r>
+                <a:r>
+                  <a:rPr lang="en-US" dirty="0" err="1"/>
+                  <a:t>probit</a:t>
+                </a:r>
+                <a:r>
+                  <a:rPr lang="en-US" dirty="0"/>
+                  <a:t> estimator uses a standard normal cumulative distribution function or (</a:t>
+                </a:r>
+                <a:r>
+                  <a:rPr lang="en-US" dirty="0" err="1"/>
+                  <a:t>cdf</a:t>
+                </a:r>
+                <a:r>
+                  <a:rPr lang="en-US" dirty="0"/>
+                  <a:t>)</a:t>
+                </a:r>
+              </a:p>
+              <a:p>
+                <a:pPr lvl="1"/>
+                <a:r>
+                  <a:rPr lang="en-US" dirty="0"/>
+                  <a:t>Note: Our OLS estimator is linear in parameters</a:t>
+                </a:r>
+              </a:p>
+            </p:txBody>
+          </p:sp>
+        </mc:Choice>
+        <mc:Fallback>
+          <p:sp>
+            <p:nvSpPr>
+              <p:cNvPr id="3" name="Content Placeholder 2">
+                <a:extLst>
+                  <a:ext uri="{FF2B5EF4-FFF2-40B4-BE49-F238E27FC236}">
+                    <a16:creationId xmlns:a16="http://schemas.microsoft.com/office/drawing/2014/main" id="{8E84AB64-1891-0155-7B69-6B1575F65AF7}"/>
+                  </a:ext>
+                </a:extLst>
+              </p:cNvPr>
+              <p:cNvSpPr>
+                <a:spLocks noGrp="1" noRot="1" noChangeAspect="1" noMove="1" noResize="1" noEditPoints="1" noAdjustHandles="1" noChangeArrowheads="1" noChangeShapeType="1" noTextEdit="1"/>
+              </p:cNvSpPr>
+              <p:nvPr>
+                <p:ph idx="1"/>
+              </p:nvPr>
+            </p:nvSpPr>
+            <p:spPr>
+              <a:blipFill>
+                <a:blip r:embed="rId2"/>
+                <a:stretch>
+                  <a:fillRect l="-1086" t="-2326" r="-483"/>
+                </a:stretch>
+              </a:blipFill>
+            </p:spPr>
+            <p:txBody>
+              <a:bodyPr/>
+              <a:lstStyle/>
+              <a:p>
+                <a:r>
+                  <a:rPr lang="en-US">
+                    <a:noFill/>
+                  </a:rPr>
+                  <a:t> </a:t>
+                </a:r>
+              </a:p>
+            </p:txBody>
+          </p:sp>
+        </mc:Fallback>
+      </mc:AlternateContent>
+    </p:spTree>
+    <p:extLst>
+      <p:ext uri="{BB962C8B-B14F-4D97-AF65-F5344CB8AC3E}">
+        <p14:creationId xmlns:p14="http://schemas.microsoft.com/office/powerpoint/2010/main" val="1902898449"/>
+      </p:ext>
+    </p:extLst>
+  </p:cSld>
+  <p:clrMapOvr>
+    <a:masterClrMapping/>
+  </p:clrMapOvr>
+</p:sld>
+</file>
+
+<file path=ppt/slides/slide9.xml><?xml version="1.0" encoding="utf-8"?>
+<p:sld xmlns:a="http://schemas.openxmlformats.org/drawingml/2006/main" xmlns:r="http://schemas.openxmlformats.org/officeDocument/2006/relationships" xmlns:p="http://schemas.openxmlformats.org/presentationml/2006/main">
+  <p:cSld>
+    <p:spTree>
+      <p:nvGrpSpPr>
+        <p:cNvPr id="1" name=""/>
+        <p:cNvGrpSpPr/>
+        <p:nvPr/>
+      </p:nvGrpSpPr>
+      <p:grpSpPr>
+        <a:xfrm>
+          <a:off x="0" y="0"/>
+          <a:ext cx="0" cy="0"/>
+          <a:chOff x="0" y="0"/>
+          <a:chExt cx="0" cy="0"/>
+        </a:xfrm>
+      </p:grpSpPr>
+      <p:sp>
+        <p:nvSpPr>
+          <p:cNvPr id="2" name="Title 1">
+            <a:extLst>
+              <a:ext uri="{FF2B5EF4-FFF2-40B4-BE49-F238E27FC236}">
+                <a16:creationId xmlns:a16="http://schemas.microsoft.com/office/drawing/2014/main" id="{A2BD60CC-B4FC-DE7C-6806-E0DC7D72DAE6}"/>
+              </a:ext>
+            </a:extLst>
+          </p:cNvPr>
+          <p:cNvSpPr>
+            <a:spLocks noGrp="1"/>
+          </p:cNvSpPr>
+          <p:nvPr>
+            <p:ph type="title"/>
+          </p:nvPr>
+        </p:nvSpPr>
+        <p:spPr/>
+        <p:txBody>
+          <a:bodyPr/>
+          <a:lstStyle/>
+          <a:p>
+            <a:r>
+              <a:rPr lang="en-US" dirty="0"/>
+              <a:t>Logit Model</a:t>
+            </a:r>
+          </a:p>
+        </p:txBody>
+      </p:sp>
+      <mc:AlternateContent xmlns:mc="http://schemas.openxmlformats.org/markup-compatibility/2006">
+        <mc:Choice xmlns:a14="http://schemas.microsoft.com/office/drawing/2010/main" Requires="a14">
+          <p:sp>
+            <p:nvSpPr>
+              <p:cNvPr id="3" name="Content Placeholder 2">
+                <a:extLst>
+                  <a:ext uri="{FF2B5EF4-FFF2-40B4-BE49-F238E27FC236}">
+                    <a16:creationId xmlns:a16="http://schemas.microsoft.com/office/drawing/2014/main" id="{6F3C61EF-F7EC-C110-9721-4ED6372C4C9F}"/>
+                  </a:ext>
+                </a:extLst>
+              </p:cNvPr>
+              <p:cNvSpPr>
+                <a:spLocks noGrp="1"/>
+              </p:cNvSpPr>
+              <p:nvPr>
+                <p:ph idx="1"/>
+              </p:nvPr>
+            </p:nvSpPr>
+            <p:spPr/>
+            <p:txBody>
+              <a:bodyPr>
+                <a:normAutofit/>
+              </a:bodyPr>
+              <a:lstStyle/>
+              <a:p>
+                <a:r>
+                  <a:rPr lang="en-US" dirty="0"/>
+                  <a:t>Binary Response Model</a:t>
+                </a:r>
+              </a:p>
+              <a:p>
+                <a:pPr lvl="1"/>
+                <a:r>
+                  <a:rPr lang="en-US" dirty="0"/>
+                  <a:t>We have a function </a:t>
+                </a:r>
+                <a14:m>
+                  <m:oMath xmlns:m="http://schemas.openxmlformats.org/officeDocument/2006/math">
+                    <m:r>
+                      <a:rPr lang="en-US" b="0" i="1" smtClean="0">
+                        <a:latin typeface="Cambria Math" panose="02040503050406030204" pitchFamily="18" charset="0"/>
+                      </a:rPr>
+                      <m:t>𝐺</m:t>
+                    </m:r>
+                  </m:oMath>
+                </a14:m>
+                <a:r>
+                  <a:rPr lang="en-US" dirty="0"/>
+                  <a:t> that takes values strictly between zero and one</a:t>
+                </a:r>
+              </a:p>
+              <a:p>
+                <a:pPr lvl="1"/>
+                <a14:m>
+                  <m:oMath xmlns:m="http://schemas.openxmlformats.org/officeDocument/2006/math">
+                    <m:r>
+                      <a:rPr lang="en-US" b="0" i="1" smtClean="0">
+                        <a:latin typeface="Cambria Math" panose="02040503050406030204" pitchFamily="18" charset="0"/>
+                      </a:rPr>
+                      <m:t>0&lt;</m:t>
+                    </m:r>
+                    <m:r>
+                      <a:rPr lang="en-US" b="0" i="1" smtClean="0">
+                        <a:latin typeface="Cambria Math" panose="02040503050406030204" pitchFamily="18" charset="0"/>
+                      </a:rPr>
+                      <m:t>𝐺</m:t>
+                    </m:r>
+                    <m:d>
+                      <m:dPr>
+                        <m:ctrlPr>
+                          <a:rPr lang="en-US" b="0" i="1" smtClean="0">
+                            <a:latin typeface="Cambria Math" panose="02040503050406030204" pitchFamily="18" charset="0"/>
+                          </a:rPr>
+                        </m:ctrlPr>
+                      </m:dPr>
+                      <m:e>
+                        <m:r>
+                          <a:rPr lang="en-US" b="0" i="1" smtClean="0">
+                            <a:latin typeface="Cambria Math" panose="02040503050406030204" pitchFamily="18" charset="0"/>
+                          </a:rPr>
+                          <m:t>𝑧</m:t>
+                        </m:r>
+                      </m:e>
+                    </m:d>
+                    <m:r>
+                      <a:rPr lang="en-US" b="0" i="1" smtClean="0">
+                        <a:latin typeface="Cambria Math" panose="02040503050406030204" pitchFamily="18" charset="0"/>
+                      </a:rPr>
+                      <m:t>&lt;1, ∀ </m:t>
+                    </m:r>
+                    <m:r>
+                      <a:rPr lang="en-US" b="0" i="1" smtClean="0">
+                        <a:latin typeface="Cambria Math" panose="02040503050406030204" pitchFamily="18" charset="0"/>
+                      </a:rPr>
+                      <m:t>𝑧</m:t>
+                    </m:r>
+                  </m:oMath>
+                </a14:m>
+                <a:r>
+                  <a:rPr lang="en-US" dirty="0"/>
+                  <a:t> and </a:t>
+                </a:r>
+                <a14:m>
+                  <m:oMath xmlns:m="http://schemas.openxmlformats.org/officeDocument/2006/math">
+                    <m:r>
+                      <a:rPr lang="en-US" b="0" i="1" smtClean="0">
+                        <a:latin typeface="Cambria Math" panose="02040503050406030204" pitchFamily="18" charset="0"/>
+                      </a:rPr>
+                      <m:t>𝑧</m:t>
+                    </m:r>
+                  </m:oMath>
+                </a14:m>
+                <a:r>
+                  <a:rPr lang="en-US" dirty="0"/>
+                  <a:t> is a real number</a:t>
+                </a:r>
+              </a:p>
+              <a:p>
+                <a:pPr lvl="1"/>
+                <a14:m>
+                  <m:oMath xmlns:m="http://schemas.openxmlformats.org/officeDocument/2006/math">
+                    <m:func>
+                      <m:funcPr>
+                        <m:ctrlPr>
+                          <a:rPr lang="en-US" b="0" i="1" smtClean="0">
+                            <a:latin typeface="Cambria Math" panose="02040503050406030204" pitchFamily="18" charset="0"/>
+                          </a:rPr>
+                        </m:ctrlPr>
+                      </m:funcPr>
+                      <m:fName>
+                        <m:r>
+                          <m:rPr>
+                            <m:sty m:val="p"/>
+                          </m:rPr>
+                          <a:rPr lang="en-US" b="0" i="0" smtClean="0">
+                            <a:latin typeface="Cambria Math" panose="02040503050406030204" pitchFamily="18" charset="0"/>
+                          </a:rPr>
+                          <m:t>Pr</m:t>
+                        </m:r>
+                      </m:fName>
+                      <m:e>
+                        <m:d>
+                          <m:dPr>
+                            <m:ctrlPr>
+                              <a:rPr lang="en-US" b="0" i="1" smtClean="0">
+                                <a:latin typeface="Cambria Math" panose="02040503050406030204" pitchFamily="18" charset="0"/>
+                              </a:rPr>
+                            </m:ctrlPr>
+                          </m:dPr>
+                          <m:e>
+                            <m:r>
+                              <a:rPr lang="en-US" b="0" i="1" smtClean="0">
+                                <a:latin typeface="Cambria Math" panose="02040503050406030204" pitchFamily="18" charset="0"/>
+                              </a:rPr>
+                              <m:t>𝑦</m:t>
+                            </m:r>
+                            <m:r>
+                              <a:rPr lang="en-US" b="0" i="1" smtClean="0">
+                                <a:latin typeface="Cambria Math" panose="02040503050406030204" pitchFamily="18" charset="0"/>
+                              </a:rPr>
+                              <m:t>=1</m:t>
+                            </m:r>
+                          </m:e>
+                          <m:e>
+                            <m:r>
+                              <a:rPr lang="en-US" b="1" i="1" smtClean="0">
+                                <a:latin typeface="Cambria Math" panose="02040503050406030204" pitchFamily="18" charset="0"/>
+                              </a:rPr>
+                              <m:t>𝒙</m:t>
+                            </m:r>
+                          </m:e>
+                        </m:d>
+                      </m:e>
+                    </m:func>
+                    <m:r>
+                      <a:rPr lang="en-US" b="0" i="1" smtClean="0">
+                        <a:latin typeface="Cambria Math" panose="02040503050406030204" pitchFamily="18" charset="0"/>
+                      </a:rPr>
+                      <m:t>=</m:t>
+                    </m:r>
+                    <m:r>
+                      <a:rPr lang="en-US" b="0" i="1" smtClean="0">
+                        <a:latin typeface="Cambria Math" panose="02040503050406030204" pitchFamily="18" charset="0"/>
+                      </a:rPr>
+                      <m:t>𝐺</m:t>
+                    </m:r>
+                    <m:d>
+                      <m:dPr>
+                        <m:ctrlPr>
+                          <a:rPr lang="en-US" b="0" i="1" smtClean="0">
+                            <a:latin typeface="Cambria Math" panose="02040503050406030204" pitchFamily="18" charset="0"/>
+                          </a:rPr>
+                        </m:ctrlPr>
+                      </m:dPr>
+                      <m:e>
+                        <m:sSub>
+                          <m:sSubPr>
+                            <m:ctrlPr>
+                              <a:rPr lang="en-US" b="0" i="1" smtClean="0">
+                                <a:latin typeface="Cambria Math" panose="02040503050406030204" pitchFamily="18" charset="0"/>
+                              </a:rPr>
+                            </m:ctrlPr>
+                          </m:sSubPr>
+                          <m:e>
+                            <m:r>
+                              <a:rPr lang="en-US" b="0" i="1" smtClean="0">
+                                <a:latin typeface="Cambria Math" panose="02040503050406030204" pitchFamily="18" charset="0"/>
+                              </a:rPr>
+                              <m:t>𝛽</m:t>
+                            </m:r>
+                          </m:e>
+                          <m:sub>
+                            <m:r>
+                              <a:rPr lang="en-US" b="0" i="1" smtClean="0">
+                                <a:latin typeface="Cambria Math" panose="02040503050406030204" pitchFamily="18" charset="0"/>
+                              </a:rPr>
+                              <m:t>0</m:t>
+                            </m:r>
+                          </m:sub>
+                        </m:sSub>
+                        <m:r>
+                          <a:rPr lang="en-US" b="0" i="1" smtClean="0">
+                            <a:latin typeface="Cambria Math" panose="02040503050406030204" pitchFamily="18" charset="0"/>
+                          </a:rPr>
+                          <m:t>+</m:t>
+                        </m:r>
+                        <m:sSub>
+                          <m:sSubPr>
+                            <m:ctrlPr>
+                              <a:rPr lang="en-US" b="0" i="1" smtClean="0">
+                                <a:latin typeface="Cambria Math" panose="02040503050406030204" pitchFamily="18" charset="0"/>
+                              </a:rPr>
+                            </m:ctrlPr>
+                          </m:sSubPr>
+                          <m:e>
+                            <m:r>
+                              <a:rPr lang="en-US" b="0" i="1" smtClean="0">
+                                <a:latin typeface="Cambria Math" panose="02040503050406030204" pitchFamily="18" charset="0"/>
+                              </a:rPr>
+                              <m:t>𝛽</m:t>
+                            </m:r>
+                          </m:e>
+                          <m:sub>
+                            <m:r>
+                              <a:rPr lang="en-US" b="0" i="1" smtClean="0">
+                                <a:latin typeface="Cambria Math" panose="02040503050406030204" pitchFamily="18" charset="0"/>
+                              </a:rPr>
+                              <m:t>1</m:t>
+                            </m:r>
+                          </m:sub>
+                        </m:sSub>
+                        <m:sSub>
+                          <m:sSubPr>
+                            <m:ctrlPr>
+                              <a:rPr lang="en-US" b="0" i="1" smtClean="0">
+                                <a:latin typeface="Cambria Math" panose="02040503050406030204" pitchFamily="18" charset="0"/>
+                              </a:rPr>
+                            </m:ctrlPr>
+                          </m:sSubPr>
+                          <m:e>
+                            <m:r>
+                              <a:rPr lang="en-US" b="0" i="1" smtClean="0">
+                                <a:latin typeface="Cambria Math" panose="02040503050406030204" pitchFamily="18" charset="0"/>
+                              </a:rPr>
+                              <m:t>𝑥</m:t>
+                            </m:r>
+                          </m:e>
+                          <m:sub>
+                            <m:r>
+                              <a:rPr lang="en-US" b="0" i="1" smtClean="0">
+                                <a:latin typeface="Cambria Math" panose="02040503050406030204" pitchFamily="18" charset="0"/>
+                              </a:rPr>
+                              <m:t>1</m:t>
+                            </m:r>
+                          </m:sub>
+                        </m:sSub>
+                        <m:r>
+                          <a:rPr lang="en-US" b="0" i="1" smtClean="0">
+                            <a:latin typeface="Cambria Math" panose="02040503050406030204" pitchFamily="18" charset="0"/>
+                          </a:rPr>
+                          <m:t>+…+</m:t>
+                        </m:r>
+                        <m:sSub>
+                          <m:sSubPr>
+                            <m:ctrlPr>
+                              <a:rPr lang="en-US" b="0" i="1" smtClean="0">
+                                <a:latin typeface="Cambria Math" panose="02040503050406030204" pitchFamily="18" charset="0"/>
+                              </a:rPr>
+                            </m:ctrlPr>
+                          </m:sSubPr>
+                          <m:e>
+                            <m:r>
+                              <a:rPr lang="en-US" b="0" i="1" smtClean="0">
+                                <a:latin typeface="Cambria Math" panose="02040503050406030204" pitchFamily="18" charset="0"/>
+                              </a:rPr>
+                              <m:t>𝛽</m:t>
+                            </m:r>
+                          </m:e>
+                          <m:sub>
+                            <m:r>
+                              <a:rPr lang="en-US" b="0" i="1" smtClean="0">
+                                <a:latin typeface="Cambria Math" panose="02040503050406030204" pitchFamily="18" charset="0"/>
+                              </a:rPr>
+                              <m:t>𝑘</m:t>
+                            </m:r>
+                          </m:sub>
+                        </m:sSub>
+                        <m:sSub>
+                          <m:sSubPr>
+                            <m:ctrlPr>
+                              <a:rPr lang="en-US" b="0" i="1" smtClean="0">
+                                <a:latin typeface="Cambria Math" panose="02040503050406030204" pitchFamily="18" charset="0"/>
+                              </a:rPr>
+                            </m:ctrlPr>
+                          </m:sSubPr>
+                          <m:e>
+                            <m:r>
+                              <a:rPr lang="en-US" b="0" i="1" smtClean="0">
+                                <a:latin typeface="Cambria Math" panose="02040503050406030204" pitchFamily="18" charset="0"/>
+                              </a:rPr>
+                              <m:t>𝑥</m:t>
+                            </m:r>
+                          </m:e>
+                          <m:sub>
+                            <m:r>
+                              <a:rPr lang="en-US" b="0" i="1" smtClean="0">
+                                <a:latin typeface="Cambria Math" panose="02040503050406030204" pitchFamily="18" charset="0"/>
+                              </a:rPr>
+                              <m:t>𝑘</m:t>
+                            </m:r>
+                          </m:sub>
+                        </m:sSub>
+                      </m:e>
+                    </m:d>
+                    <m:r>
+                      <a:rPr lang="en-US" b="0" i="1" smtClean="0">
+                        <a:latin typeface="Cambria Math" panose="02040503050406030204" pitchFamily="18" charset="0"/>
+                      </a:rPr>
+                      <m:t>=</m:t>
+                    </m:r>
+                    <m:r>
+                      <a:rPr lang="en-US" b="0" i="1" smtClean="0">
+                        <a:latin typeface="Cambria Math" panose="02040503050406030204" pitchFamily="18" charset="0"/>
+                      </a:rPr>
+                      <m:t>𝐺</m:t>
+                    </m:r>
+                    <m:r>
+                      <a:rPr lang="en-US" b="0" i="1" smtClean="0">
+                        <a:latin typeface="Cambria Math" panose="02040503050406030204" pitchFamily="18" charset="0"/>
+                      </a:rPr>
+                      <m:t>(</m:t>
+                    </m:r>
+                    <m:sSub>
+                      <m:sSubPr>
+                        <m:ctrlPr>
+                          <a:rPr lang="en-US" b="0" i="1" smtClean="0">
+                            <a:latin typeface="Cambria Math" panose="02040503050406030204" pitchFamily="18" charset="0"/>
+                          </a:rPr>
+                        </m:ctrlPr>
+                      </m:sSubPr>
+                      <m:e>
+                        <m:r>
+                          <a:rPr lang="en-US" b="0" i="1" smtClean="0">
+                            <a:latin typeface="Cambria Math" panose="02040503050406030204" pitchFamily="18" charset="0"/>
+                          </a:rPr>
+                          <m:t>𝛽</m:t>
+                        </m:r>
+                      </m:e>
+                      <m:sub>
+                        <m:r>
+                          <a:rPr lang="en-US" b="0" i="1" smtClean="0">
+                            <a:latin typeface="Cambria Math" panose="02040503050406030204" pitchFamily="18" charset="0"/>
+                          </a:rPr>
+                          <m:t>0</m:t>
+                        </m:r>
+                      </m:sub>
+                    </m:sSub>
+                    <m:r>
+                      <a:rPr lang="en-US" b="0" i="1" smtClean="0">
+                        <a:latin typeface="Cambria Math" panose="02040503050406030204" pitchFamily="18" charset="0"/>
+                      </a:rPr>
+                      <m:t>+</m:t>
+                    </m:r>
+                    <m:sSup>
+                      <m:sSupPr>
+                        <m:ctrlPr>
+                          <a:rPr lang="en-US" b="1" i="1" smtClean="0">
+                            <a:latin typeface="Cambria Math" panose="02040503050406030204" pitchFamily="18" charset="0"/>
+                          </a:rPr>
+                        </m:ctrlPr>
+                      </m:sSupPr>
+                      <m:e>
+                        <m:r>
+                          <a:rPr lang="en-US" b="1" i="1" smtClean="0">
+                            <a:latin typeface="Cambria Math" panose="02040503050406030204" pitchFamily="18" charset="0"/>
+                          </a:rPr>
+                          <m:t>𝒙</m:t>
+                        </m:r>
+                      </m:e>
+                      <m:sup>
+                        <m:r>
+                          <a:rPr lang="en-US" b="1" i="1" smtClean="0">
+                            <a:latin typeface="Cambria Math" panose="02040503050406030204" pitchFamily="18" charset="0"/>
+                          </a:rPr>
+                          <m:t>′</m:t>
+                        </m:r>
+                      </m:sup>
+                    </m:sSup>
+                    <m:r>
+                      <a:rPr lang="en-US" b="1" i="1" smtClean="0">
+                        <a:latin typeface="Cambria Math" panose="02040503050406030204" pitchFamily="18" charset="0"/>
+                      </a:rPr>
+                      <m:t>𝜷</m:t>
+                    </m:r>
+                    <m:r>
+                      <a:rPr lang="en-US" b="0" i="1" smtClean="0">
+                        <a:latin typeface="Cambria Math" panose="02040503050406030204" pitchFamily="18" charset="0"/>
+                      </a:rPr>
+                      <m:t>)</m:t>
+                    </m:r>
+                  </m:oMath>
+                </a14:m>
+                <a:endParaRPr lang="en-US" dirty="0"/>
+              </a:p>
+              <a:p>
+                <a:r>
+                  <a:rPr lang="en-US" dirty="0"/>
+                  <a:t>The logistic function</a:t>
+                </a:r>
+              </a:p>
+              <a:p>
+                <a:pPr lvl="1"/>
+                <a14:m>
+                  <m:oMath xmlns:m="http://schemas.openxmlformats.org/officeDocument/2006/math">
+                    <m:r>
+                      <a:rPr lang="en-US" b="0" i="1" smtClean="0">
+                        <a:latin typeface="Cambria Math" panose="02040503050406030204" pitchFamily="18" charset="0"/>
+                      </a:rPr>
+                      <m:t>𝐺</m:t>
+                    </m:r>
+                    <m:d>
+                      <m:dPr>
+                        <m:ctrlPr>
+                          <a:rPr lang="en-US" b="0" i="1" smtClean="0">
+                            <a:latin typeface="Cambria Math" panose="02040503050406030204" pitchFamily="18" charset="0"/>
+                          </a:rPr>
+                        </m:ctrlPr>
+                      </m:dPr>
+                      <m:e>
+                        <m:r>
+                          <a:rPr lang="en-US" b="0" i="1" smtClean="0">
+                            <a:latin typeface="Cambria Math" panose="02040503050406030204" pitchFamily="18" charset="0"/>
+                          </a:rPr>
+                          <m:t>𝑧</m:t>
+                        </m:r>
+                      </m:e>
+                    </m:d>
+                    <m:r>
+                      <a:rPr lang="en-US" b="0" i="1" smtClean="0">
+                        <a:latin typeface="Cambria Math" panose="02040503050406030204" pitchFamily="18" charset="0"/>
+                      </a:rPr>
+                      <m:t>=</m:t>
+                    </m:r>
+                    <m:sSup>
+                      <m:sSupPr>
+                        <m:ctrlPr>
+                          <a:rPr lang="en-US" b="0" i="1" smtClean="0">
+                            <a:latin typeface="Cambria Math" panose="02040503050406030204" pitchFamily="18" charset="0"/>
+                          </a:rPr>
+                        </m:ctrlPr>
+                      </m:sSupPr>
+                      <m:e>
+                        <m:r>
+                          <a:rPr lang="en-US" b="0" i="1" smtClean="0">
+                            <a:latin typeface="Cambria Math" panose="02040503050406030204" pitchFamily="18" charset="0"/>
+                          </a:rPr>
+                          <m:t>𝑒</m:t>
+                        </m:r>
+                      </m:e>
+                      <m:sup>
+                        <m:r>
+                          <a:rPr lang="en-US" b="0" i="1" smtClean="0">
+                            <a:latin typeface="Cambria Math" panose="02040503050406030204" pitchFamily="18" charset="0"/>
+                          </a:rPr>
+                          <m:t>𝑧</m:t>
+                        </m:r>
+                      </m:sup>
+                    </m:sSup>
+                    <m:r>
+                      <a:rPr lang="en-US" b="0" i="1" smtClean="0">
+                        <a:latin typeface="Cambria Math" panose="02040503050406030204" pitchFamily="18" charset="0"/>
+                      </a:rPr>
+                      <m:t>/</m:t>
+                    </m:r>
+                    <m:d>
+                      <m:dPr>
+                        <m:begChr m:val="["/>
+                        <m:endChr m:val="]"/>
+                        <m:ctrlPr>
+                          <a:rPr lang="en-US" b="0" i="1" smtClean="0">
+                            <a:latin typeface="Cambria Math" panose="02040503050406030204" pitchFamily="18" charset="0"/>
+                          </a:rPr>
+                        </m:ctrlPr>
+                      </m:dPr>
+                      <m:e>
+                        <m:r>
+                          <a:rPr lang="en-US" b="0" i="1" smtClean="0">
+                            <a:latin typeface="Cambria Math" panose="02040503050406030204" pitchFamily="18" charset="0"/>
+                          </a:rPr>
+                          <m:t>1+</m:t>
+                        </m:r>
+                        <m:sSup>
+                          <m:sSupPr>
+                            <m:ctrlPr>
+                              <a:rPr lang="en-US" b="0" i="1" smtClean="0">
+                                <a:latin typeface="Cambria Math" panose="02040503050406030204" pitchFamily="18" charset="0"/>
+                              </a:rPr>
+                            </m:ctrlPr>
+                          </m:sSupPr>
+                          <m:e>
+                            <m:r>
+                              <a:rPr lang="en-US" b="0" i="1" smtClean="0">
+                                <a:latin typeface="Cambria Math" panose="02040503050406030204" pitchFamily="18" charset="0"/>
+                              </a:rPr>
+                              <m:t>𝑒</m:t>
+                            </m:r>
+                          </m:e>
+                          <m:sup>
+                            <m:r>
+                              <a:rPr lang="en-US" b="0" i="1" smtClean="0">
+                                <a:latin typeface="Cambria Math" panose="02040503050406030204" pitchFamily="18" charset="0"/>
+                              </a:rPr>
+                              <m:t>𝑧</m:t>
+                            </m:r>
+                          </m:sup>
+                        </m:sSup>
+                      </m:e>
+                    </m:d>
+                  </m:oMath>
+                </a14:m>
+                <a:endParaRPr lang="en-US" dirty="0"/>
+              </a:p>
+              <a:p>
+                <a:pPr lvl="1"/>
+                <a14:m>
+                  <m:oMath xmlns:m="http://schemas.openxmlformats.org/officeDocument/2006/math">
+                    <m:r>
+                      <a:rPr lang="en-US" b="0" i="1" smtClean="0">
+                        <a:latin typeface="Cambria Math" panose="02040503050406030204" pitchFamily="18" charset="0"/>
+                      </a:rPr>
+                      <m:t>𝐺</m:t>
+                    </m:r>
+                    <m:d>
+                      <m:dPr>
+                        <m:ctrlPr>
+                          <a:rPr lang="en-US" b="0" i="1" smtClean="0">
+                            <a:latin typeface="Cambria Math" panose="02040503050406030204" pitchFamily="18" charset="0"/>
+                          </a:rPr>
+                        </m:ctrlPr>
+                      </m:dPr>
+                      <m:e>
+                        <m:r>
+                          <a:rPr lang="en-US" b="0" i="1" smtClean="0">
+                            <a:latin typeface="Cambria Math" panose="02040503050406030204" pitchFamily="18" charset="0"/>
+                          </a:rPr>
+                          <m:t>𝑧</m:t>
+                        </m:r>
+                      </m:e>
+                    </m:d>
+                  </m:oMath>
+                </a14:m>
+                <a:r>
+                  <a:rPr lang="en-US" dirty="0"/>
+                  <a:t> ensures values are restricted between 0 and 1</a:t>
+                </a:r>
+              </a:p>
+              <a:p>
+                <a:pPr lvl="1"/>
+                <a14:m>
+                  <m:oMath xmlns:m="http://schemas.openxmlformats.org/officeDocument/2006/math">
+                    <m:r>
+                      <a:rPr lang="en-US" b="0" i="1" smtClean="0">
+                        <a:latin typeface="Cambria Math" panose="02040503050406030204" pitchFamily="18" charset="0"/>
+                      </a:rPr>
+                      <m:t>𝐺</m:t>
+                    </m:r>
+                    <m:d>
+                      <m:dPr>
+                        <m:ctrlPr>
+                          <a:rPr lang="en-US" b="0" i="1" smtClean="0">
+                            <a:latin typeface="Cambria Math" panose="02040503050406030204" pitchFamily="18" charset="0"/>
+                          </a:rPr>
+                        </m:ctrlPr>
+                      </m:dPr>
+                      <m:e>
+                        <m:r>
+                          <a:rPr lang="en-US" b="0" i="1" smtClean="0">
+                            <a:latin typeface="Cambria Math" panose="02040503050406030204" pitchFamily="18" charset="0"/>
+                          </a:rPr>
+                          <m:t>𝑧</m:t>
+                        </m:r>
+                      </m:e>
+                    </m:d>
+                  </m:oMath>
+                </a14:m>
+                <a:r>
+                  <a:rPr lang="en-US" dirty="0"/>
+                  <a:t> is the cumulative distribution for a standard logistic random variable</a:t>
+                </a:r>
+              </a:p>
+            </p:txBody>
+          </p:sp>
+        </mc:Choice>
+        <mc:Fallback>
+          <p:sp>
+            <p:nvSpPr>
+              <p:cNvPr id="3" name="Content Placeholder 2">
+                <a:extLst>
+                  <a:ext uri="{FF2B5EF4-FFF2-40B4-BE49-F238E27FC236}">
+                    <a16:creationId xmlns:a16="http://schemas.microsoft.com/office/drawing/2014/main" id="{6F3C61EF-F7EC-C110-9721-4ED6372C4C9F}"/>
+                  </a:ext>
+                </a:extLst>
+              </p:cNvPr>
+              <p:cNvSpPr>
+                <a:spLocks noGrp="1" noRot="1" noChangeAspect="1" noMove="1" noResize="1" noEditPoints="1" noAdjustHandles="1" noChangeArrowheads="1" noChangeShapeType="1" noTextEdit="1"/>
+              </p:cNvSpPr>
+              <p:nvPr>
+                <p:ph idx="1"/>
+              </p:nvPr>
+            </p:nvSpPr>
+            <p:spPr>
+              <a:blipFill>
+                <a:blip r:embed="rId2"/>
+                <a:stretch>
+                  <a:fillRect l="-1086" t="-2326"/>
+                </a:stretch>
+              </a:blipFill>
+            </p:spPr>
+            <p:txBody>
+              <a:bodyPr/>
+              <a:lstStyle/>
+              <a:p>
+                <a:r>
+                  <a:rPr lang="en-US">
+                    <a:noFill/>
+                  </a:rPr>
+                  <a:t> </a:t>
+                </a:r>
+              </a:p>
+            </p:txBody>
+          </p:sp>
+        </mc:Fallback>
+      </mc:AlternateContent>
+    </p:spTree>
+    <p:extLst>
+      <p:ext uri="{BB962C8B-B14F-4D97-AF65-F5344CB8AC3E}">
+        <p14:creationId xmlns:p14="http://schemas.microsoft.com/office/powerpoint/2010/main" val="2955064937"/>
       </p:ext>
     </p:extLst>
   </p:cSld>

--- a/Slides/Week_8_Limited_Dependent_Part1.pptx
+++ b/Slides/Week_8_Limited_Dependent_Part1.pptx
@@ -5169,7 +5169,7 @@
               <a:blipFill>
                 <a:blip r:embed="rId2"/>
                 <a:stretch>
-                  <a:fillRect l="-1086" t="-3198" r="-241"/>
+                  <a:fillRect l="-1086" t="-3198" r="-121"/>
                 </a:stretch>
               </a:blipFill>
             </p:spPr>
